--- a/THE_project/design/process_optimization.pptx
+++ b/THE_project/design/process_optimization.pptx
@@ -10,6 +10,7 @@
     <p:sldId id="271" r:id="rId4"/>
     <p:sldId id="272" r:id="rId5"/>
     <p:sldId id="273" r:id="rId6"/>
+    <p:sldId id="274" r:id="rId7"/>
   </p:sldIdLst>
   <p:sldSz cx="12192000" cy="6858000"/>
   <p:notesSz cx="6858000" cy="9144000"/>
@@ -126,6 +127,7 @@
         <p14:section name="参考基因组的压缩输出的考虑" id="{4B6C6A89-AC0C-4276-AC10-BA5A17EBF0A6}">
           <p14:sldIdLst>
             <p14:sldId id="273"/>
+            <p14:sldId id="274"/>
           </p14:sldIdLst>
         </p14:section>
       </p14:sectionLst>
@@ -379,7 +381,7 @@
             <a:fld id="{80FD887D-7B2A-4FF4-AE30-B3638F2CCD1F}" type="datetime1">
               <a:rPr lang="en-US"/>
               <a:pPr lvl="0"/>
-              <a:t>3/15/2021</a:t>
+              <a:t>3/16/2021</a:t>
             </a:fld>
             <a:endParaRPr lang="en-US"/>
           </a:p>
@@ -613,7 +615,7 @@
             <a:fld id="{70BC2376-68D8-4576-8D02-782EC0B0AD99}" type="datetime1">
               <a:rPr lang="en-US"/>
               <a:pPr lvl="0"/>
-              <a:t>3/15/2021</a:t>
+              <a:t>3/16/2021</a:t>
             </a:fld>
             <a:endParaRPr lang="en-US"/>
           </a:p>
@@ -857,7 +859,7 @@
             <a:fld id="{577B63AE-4C27-476F-9DD5-14178397EE23}" type="datetime1">
               <a:rPr lang="en-US"/>
               <a:pPr lvl="0"/>
-              <a:t>3/15/2021</a:t>
+              <a:t>3/16/2021</a:t>
             </a:fld>
             <a:endParaRPr lang="en-US"/>
           </a:p>
@@ -1062,7 +1064,7 @@
             <a:fld id="{18BC4B44-D12F-4BD3-9C36-2F34A6473057}" type="datetime1">
               <a:rPr lang="en-US"/>
               <a:pPr lvl="0"/>
-              <a:t>3/15/2021</a:t>
+              <a:t>3/16/2021</a:t>
             </a:fld>
             <a:endParaRPr lang="en-US"/>
           </a:p>
@@ -1297,7 +1299,7 @@
             <a:fld id="{647C36D7-0E36-40DC-B070-A9F971DD9D0B}" type="datetime1">
               <a:rPr lang="en-US"/>
               <a:pPr lvl="0"/>
-              <a:t>3/15/2021</a:t>
+              <a:t>3/16/2021</a:t>
             </a:fld>
             <a:endParaRPr lang="en-US"/>
           </a:p>
@@ -1506,7 +1508,7 @@
             <a:fld id="{A5AB9408-D60C-4171-AEDB-B9C1DB4E2438}" type="datetime1">
               <a:rPr lang="en-US"/>
               <a:pPr lvl="0"/>
-              <a:t>3/15/2021</a:t>
+              <a:t>3/16/2021</a:t>
             </a:fld>
             <a:endParaRPr lang="en-US"/>
           </a:p>
@@ -1823,7 +1825,7 @@
             <a:fld id="{A3D933FD-B602-4F22-A2AD-AB146BD7B9C7}" type="datetime1">
               <a:rPr lang="en-US"/>
               <a:pPr lvl="0"/>
-              <a:t>3/15/2021</a:t>
+              <a:t>3/16/2021</a:t>
             </a:fld>
             <a:endParaRPr lang="en-US"/>
           </a:p>
@@ -2223,7 +2225,7 @@
             <a:fld id="{47CDCC9C-4F47-40E6-922D-ACC45F18D9B6}" type="datetime1">
               <a:rPr lang="en-US"/>
               <a:pPr lvl="0"/>
-              <a:t>3/15/2021</a:t>
+              <a:t>3/16/2021</a:t>
             </a:fld>
             <a:endParaRPr lang="en-US"/>
           </a:p>
@@ -2384,7 +2386,7 @@
             <a:fld id="{B1CDCF14-C412-4139-B13D-4128F1481DED}" type="datetime1">
               <a:rPr lang="en-US"/>
               <a:pPr lvl="0"/>
-              <a:t>3/15/2021</a:t>
+              <a:t>3/16/2021</a:t>
             </a:fld>
             <a:endParaRPr lang="en-US"/>
           </a:p>
@@ -2512,7 +2514,7 @@
             <a:fld id="{D3BED175-3E7C-4717-A57A-B64E5796778F}" type="datetime1">
               <a:rPr lang="en-US"/>
               <a:pPr lvl="0"/>
-              <a:t>3/15/2021</a:t>
+              <a:t>3/16/2021</a:t>
             </a:fld>
             <a:endParaRPr lang="en-US"/>
           </a:p>
@@ -2795,7 +2797,7 @@
             <a:fld id="{FEC80C48-AE9E-4AB6-9E9A-E6F7777B57EB}" type="datetime1">
               <a:rPr lang="en-US"/>
               <a:pPr lvl="0"/>
-              <a:t>3/15/2021</a:t>
+              <a:t>3/16/2021</a:t>
             </a:fld>
             <a:endParaRPr lang="en-US"/>
           </a:p>
@@ -3077,7 +3079,7 @@
             <a:fld id="{7B0BA115-79E2-4724-BA5B-CAD60422CE22}" type="datetime1">
               <a:rPr lang="en-US"/>
               <a:pPr lvl="0"/>
-              <a:t>3/15/2021</a:t>
+              <a:t>3/16/2021</a:t>
             </a:fld>
             <a:endParaRPr lang="en-US"/>
           </a:p>
@@ -9746,7 +9748,7 @@
             </a:r>
             <a:r>
               <a:rPr lang="zh-CN" altLang="en-US"/>
-              <a:t>的比对位置仍未缺失。</a:t>
+              <a:t>的比对位置仍为缺失。</a:t>
             </a:r>
             <a:endParaRPr lang="en-US" altLang="zh-CN"/>
           </a:p>
@@ -9773,7 +9775,7 @@
             </a:r>
             <a:r>
               <a:rPr lang="zh-CN" altLang="en-US"/>
-              <a:t>的比对位置仍未缺失。那么同时整合</a:t>
+              <a:t>的比对位置仍为缺失。那么同时整合</a:t>
             </a:r>
             <a:r>
               <a:rPr lang="en-US" altLang="zh-CN"/>
@@ -9797,7 +9799,7 @@
             </a:r>
             <a:r>
               <a:rPr lang="zh-CN" altLang="en-US"/>
-              <a:t>的比对位置仍然为缺失。这说明</a:t>
+              <a:t>的比对位置仍为缺失。这说明</a:t>
             </a:r>
             <a:r>
               <a:rPr lang="en-US" altLang="zh-CN"/>
@@ -11534,7 +11536,7 @@
         <p:spPr>
           <a:xfrm>
             <a:off x="0" y="2505821"/>
-            <a:ext cx="12192000" cy="750975"/>
+            <a:ext cx="12192000" cy="944874"/>
           </a:xfrm>
           <a:prstGeom prst="rect">
             <a:avLst/>
@@ -11653,7 +11655,7 @@
             </a:r>
             <a:r>
               <a:rPr lang="zh-CN" altLang="en-US"/>
-              <a:t>了，这种条件下如果同时整合</a:t>
+              <a:t>了，但比对质量却既可能提高，也可能下降。这种条件下如果同时整合</a:t>
             </a:r>
             <a:r>
               <a:rPr lang="en-US" altLang="zh-CN"/>
@@ -11669,7 +11671,7 @@
             </a:r>
             <a:r>
               <a:rPr lang="zh-CN" altLang="en-US"/>
-              <a:t>，导致最终比对质量提高，是无法判断究竟是因为</a:t>
+              <a:t>导致最终比对质量提高，是无法判断究竟是因为</a:t>
             </a:r>
             <a:r>
               <a:rPr lang="en-US" altLang="zh-CN"/>
@@ -13250,7 +13252,7 @@
         <p:spPr>
           <a:xfrm>
             <a:off x="0" y="2948869"/>
-            <a:ext cx="12192000" cy="286232"/>
+            <a:ext cx="12192000" cy="2219069"/>
           </a:xfrm>
           <a:prstGeom prst="rect">
             <a:avLst/>
@@ -13263,6 +13265,1875 @@
           </a:bodyPr>
           <a:lstStyle/>
           <a:p>
+            <a:pPr lvl="0" defTabSz="539998">
+              <a:lnSpc>
+                <a:spcPct val="90000"/>
+              </a:lnSpc>
+              <a:spcBef>
+                <a:spcPts val="1000"/>
+              </a:spcBef>
+              <a:buClrTx/>
+              <a:buSzPct val="100000"/>
+              <a:defRPr/>
+            </a:pPr>
+            <a:r>
+              <a:rPr lang="en-US" altLang="zh-CN" sz="1400">
+                <a:solidFill>
+                  <a:srgbClr val="000000"/>
+                </a:solidFill>
+                <a:latin typeface="Consolas" pitchFamily="49"/>
+                <a:ea typeface="微软雅黑" pitchFamily="34"/>
+              </a:rPr>
+              <a:t>1. </a:t>
+            </a:r>
+            <a:r>
+              <a:rPr lang="zh-CN" altLang="en-US" sz="1400">
+                <a:solidFill>
+                  <a:srgbClr val="000000"/>
+                </a:solidFill>
+                <a:latin typeface="Consolas" pitchFamily="49"/>
+                <a:ea typeface="微软雅黑" pitchFamily="34"/>
+              </a:rPr>
+              <a:t>考虑</a:t>
+            </a:r>
+            <a:r>
+              <a:rPr lang="en-US" altLang="zh-CN" sz="1400">
+                <a:solidFill>
+                  <a:srgbClr val="000000"/>
+                </a:solidFill>
+                <a:latin typeface="Consolas" pitchFamily="49"/>
+                <a:ea typeface="微软雅黑" pitchFamily="34"/>
+              </a:rPr>
+              <a:t>r</a:t>
+            </a:r>
+            <a:r>
+              <a:rPr lang="zh-CN" altLang="en-US" sz="1400">
+                <a:solidFill>
+                  <a:srgbClr val="000000"/>
+                </a:solidFill>
+                <a:latin typeface="Consolas" pitchFamily="49"/>
+                <a:ea typeface="微软雅黑" pitchFamily="34"/>
+              </a:rPr>
+              <a:t>是原来没有比对结果的测序序列</a:t>
+            </a:r>
+            <a:endParaRPr lang="en-US" altLang="zh-CN" sz="1400">
+              <a:solidFill>
+                <a:srgbClr val="000000"/>
+              </a:solidFill>
+              <a:latin typeface="Consolas" pitchFamily="49"/>
+              <a:ea typeface="微软雅黑" pitchFamily="34"/>
+            </a:endParaRPr>
+          </a:p>
+          <a:p>
+            <a:pPr lvl="0" defTabSz="539998">
+              <a:lnSpc>
+                <a:spcPct val="90000"/>
+              </a:lnSpc>
+              <a:spcBef>
+                <a:spcPts val="1000"/>
+              </a:spcBef>
+              <a:buClrTx/>
+              <a:buSzPct val="100000"/>
+              <a:defRPr/>
+            </a:pPr>
+            <a:r>
+              <a:rPr lang="en-US" altLang="zh-CN" sz="1400">
+                <a:solidFill>
+                  <a:srgbClr val="000000"/>
+                </a:solidFill>
+                <a:latin typeface="Consolas" pitchFamily="49"/>
+                <a:ea typeface="微软雅黑" pitchFamily="34"/>
+              </a:rPr>
+              <a:t>1.1 </a:t>
+            </a:r>
+            <a:r>
+              <a:rPr lang="zh-CN" altLang="en-US" sz="1400">
+                <a:solidFill>
+                  <a:srgbClr val="000000"/>
+                </a:solidFill>
+                <a:latin typeface="Consolas" pitchFamily="49"/>
+                <a:ea typeface="微软雅黑" pitchFamily="34"/>
+              </a:rPr>
+              <a:t>对于没有重构的参考基因组的部分</a:t>
+            </a:r>
+          </a:p>
+          <a:p>
+            <a:pPr lvl="0" defTabSz="539998">
+              <a:lnSpc>
+                <a:spcPct val="90000"/>
+              </a:lnSpc>
+              <a:spcBef>
+                <a:spcPts val="1000"/>
+              </a:spcBef>
+              <a:buClrTx/>
+              <a:buSzPct val="100000"/>
+              <a:defRPr/>
+            </a:pPr>
+            <a:r>
+              <a:rPr lang="zh-CN" altLang="en-US" sz="1400">
+                <a:solidFill>
+                  <a:srgbClr val="000000"/>
+                </a:solidFill>
+                <a:latin typeface="Consolas" pitchFamily="49"/>
+                <a:ea typeface="微软雅黑" pitchFamily="34"/>
+              </a:rPr>
+              <a:t>	</a:t>
+            </a:r>
+            <a:r>
+              <a:rPr lang="en-US" altLang="zh-CN" sz="1400">
+                <a:solidFill>
+                  <a:srgbClr val="000000"/>
+                </a:solidFill>
+                <a:latin typeface="Consolas" pitchFamily="49"/>
+                <a:ea typeface="微软雅黑" pitchFamily="34"/>
+              </a:rPr>
+              <a:t>r</a:t>
+            </a:r>
+            <a:r>
+              <a:rPr lang="zh-CN" altLang="en-US" sz="1400">
+                <a:solidFill>
+                  <a:srgbClr val="000000"/>
+                </a:solidFill>
+                <a:latin typeface="Consolas" pitchFamily="49"/>
+                <a:ea typeface="微软雅黑" pitchFamily="34"/>
+              </a:rPr>
+              <a:t>原来就没有找到比对结果</a:t>
+            </a:r>
+            <a:r>
+              <a:rPr lang="en-US" altLang="zh-CN" sz="1400">
+                <a:solidFill>
+                  <a:srgbClr val="000000"/>
+                </a:solidFill>
+                <a:latin typeface="Consolas" pitchFamily="49"/>
+                <a:ea typeface="微软雅黑" pitchFamily="34"/>
+              </a:rPr>
+              <a:t>, </a:t>
+            </a:r>
+            <a:r>
+              <a:rPr lang="zh-CN" altLang="en-US" sz="1400">
+                <a:solidFill>
+                  <a:srgbClr val="000000"/>
+                </a:solidFill>
+                <a:latin typeface="Consolas" pitchFamily="49"/>
+                <a:ea typeface="微软雅黑" pitchFamily="34"/>
+              </a:rPr>
+              <a:t>这部分没有重构过的部分在重构后再比对</a:t>
+            </a:r>
+            <a:r>
+              <a:rPr lang="en-US" altLang="zh-CN" sz="1400">
+                <a:solidFill>
+                  <a:srgbClr val="000000"/>
+                </a:solidFill>
+                <a:latin typeface="Consolas" pitchFamily="49"/>
+                <a:ea typeface="微软雅黑" pitchFamily="34"/>
+              </a:rPr>
+              <a:t>, </a:t>
+            </a:r>
+            <a:r>
+              <a:rPr lang="zh-CN" altLang="en-US" sz="1400">
+                <a:solidFill>
+                  <a:srgbClr val="000000"/>
+                </a:solidFill>
+                <a:latin typeface="Consolas" pitchFamily="49"/>
+                <a:ea typeface="微软雅黑" pitchFamily="34"/>
+              </a:rPr>
+              <a:t>比对质量无法得到改善</a:t>
+            </a:r>
+            <a:r>
+              <a:rPr lang="en-US" altLang="zh-CN" sz="1400">
+                <a:solidFill>
+                  <a:srgbClr val="000000"/>
+                </a:solidFill>
+                <a:latin typeface="Consolas" pitchFamily="49"/>
+                <a:ea typeface="微软雅黑" pitchFamily="34"/>
+              </a:rPr>
+              <a:t>, </a:t>
+            </a:r>
+            <a:r>
+              <a:rPr lang="zh-CN" altLang="en-US" sz="1400">
+                <a:solidFill>
+                  <a:srgbClr val="000000"/>
+                </a:solidFill>
+                <a:latin typeface="Consolas" pitchFamily="49"/>
+                <a:ea typeface="微软雅黑" pitchFamily="34"/>
+              </a:rPr>
+              <a:t>所以还是不会比对到这部分区域</a:t>
+            </a:r>
+            <a:r>
+              <a:rPr lang="en-US" altLang="zh-CN" sz="1400">
+                <a:solidFill>
+                  <a:srgbClr val="000000"/>
+                </a:solidFill>
+                <a:latin typeface="Consolas" pitchFamily="49"/>
+                <a:ea typeface="微软雅黑" pitchFamily="34"/>
+              </a:rPr>
+              <a:t>.</a:t>
+            </a:r>
+          </a:p>
+          <a:p>
+            <a:pPr lvl="0" defTabSz="539998">
+              <a:lnSpc>
+                <a:spcPct val="90000"/>
+              </a:lnSpc>
+              <a:spcBef>
+                <a:spcPts val="1000"/>
+              </a:spcBef>
+              <a:buClrTx/>
+              <a:buSzPct val="100000"/>
+              <a:defRPr/>
+            </a:pPr>
+            <a:r>
+              <a:rPr lang="en-US" altLang="zh-CN" sz="1400">
+                <a:solidFill>
+                  <a:srgbClr val="000000"/>
+                </a:solidFill>
+                <a:latin typeface="Consolas" pitchFamily="49"/>
+                <a:ea typeface="微软雅黑" pitchFamily="34"/>
+              </a:rPr>
+              <a:t>	</a:t>
+            </a:r>
+            <a:r>
+              <a:rPr lang="zh-CN" altLang="en-US" sz="1400">
+                <a:solidFill>
+                  <a:srgbClr val="000000"/>
+                </a:solidFill>
+                <a:latin typeface="Consolas" pitchFamily="49"/>
+                <a:ea typeface="微软雅黑" pitchFamily="34"/>
+              </a:rPr>
+              <a:t>因此</a:t>
+            </a:r>
+            <a:r>
+              <a:rPr lang="en-US" altLang="zh-CN" sz="1400">
+                <a:solidFill>
+                  <a:srgbClr val="000000"/>
+                </a:solidFill>
+                <a:latin typeface="Consolas" pitchFamily="49"/>
+                <a:ea typeface="微软雅黑" pitchFamily="34"/>
+              </a:rPr>
+              <a:t>, </a:t>
+            </a:r>
+            <a:r>
+              <a:rPr lang="zh-CN" altLang="en-US" sz="1400">
+                <a:solidFill>
+                  <a:srgbClr val="000000"/>
+                </a:solidFill>
+                <a:latin typeface="Consolas" pitchFamily="49"/>
+                <a:ea typeface="微软雅黑" pitchFamily="34"/>
+              </a:rPr>
+              <a:t>这部分没有重构过的区域不需要输出</a:t>
+            </a:r>
+            <a:endParaRPr lang="en-US" altLang="zh-CN" sz="1400">
+              <a:solidFill>
+                <a:srgbClr val="000000"/>
+              </a:solidFill>
+              <a:latin typeface="Consolas" pitchFamily="49"/>
+              <a:ea typeface="微软雅黑" pitchFamily="34"/>
+            </a:endParaRPr>
+          </a:p>
+          <a:p>
+            <a:pPr lvl="0" defTabSz="539998">
+              <a:lnSpc>
+                <a:spcPct val="90000"/>
+              </a:lnSpc>
+              <a:spcBef>
+                <a:spcPts val="1000"/>
+              </a:spcBef>
+              <a:buClrTx/>
+              <a:buSzPct val="100000"/>
+              <a:defRPr/>
+            </a:pPr>
+            <a:r>
+              <a:rPr lang="en-US" altLang="zh-CN" sz="1400">
+                <a:solidFill>
+                  <a:srgbClr val="000000"/>
+                </a:solidFill>
+                <a:latin typeface="Consolas" pitchFamily="49"/>
+                <a:ea typeface="微软雅黑" pitchFamily="34"/>
+              </a:rPr>
+              <a:t>1.2 </a:t>
+            </a:r>
+            <a:r>
+              <a:rPr lang="zh-CN" altLang="en-US" sz="1400">
+                <a:solidFill>
+                  <a:srgbClr val="000000"/>
+                </a:solidFill>
+                <a:latin typeface="Consolas" pitchFamily="49"/>
+                <a:ea typeface="微软雅黑" pitchFamily="34"/>
+              </a:rPr>
+              <a:t>对于重构过的参考基因组的部分</a:t>
+            </a:r>
+          </a:p>
+          <a:p>
+            <a:pPr lvl="0" defTabSz="539998">
+              <a:lnSpc>
+                <a:spcPct val="90000"/>
+              </a:lnSpc>
+              <a:spcBef>
+                <a:spcPts val="1000"/>
+              </a:spcBef>
+              <a:buClrTx/>
+              <a:buSzPct val="100000"/>
+              <a:defRPr/>
+            </a:pPr>
+            <a:r>
+              <a:rPr lang="zh-CN" altLang="en-US" sz="1400">
+                <a:solidFill>
+                  <a:srgbClr val="000000"/>
+                </a:solidFill>
+                <a:latin typeface="Consolas" pitchFamily="49"/>
+                <a:ea typeface="微软雅黑" pitchFamily="34"/>
+              </a:rPr>
+              <a:t>	在整合变异重构后</a:t>
+            </a:r>
+            <a:r>
+              <a:rPr lang="en-US" altLang="zh-CN" sz="1400">
+                <a:solidFill>
+                  <a:srgbClr val="000000"/>
+                </a:solidFill>
+                <a:latin typeface="Consolas" pitchFamily="49"/>
+                <a:ea typeface="微软雅黑" pitchFamily="34"/>
+              </a:rPr>
+              <a:t>, r</a:t>
+            </a:r>
+            <a:r>
+              <a:rPr lang="zh-CN" altLang="en-US" sz="1400">
+                <a:solidFill>
+                  <a:srgbClr val="000000"/>
+                </a:solidFill>
+                <a:latin typeface="Consolas" pitchFamily="49"/>
+                <a:ea typeface="微软雅黑" pitchFamily="34"/>
+              </a:rPr>
+              <a:t>有可能因为特异变异位点的整合</a:t>
+            </a:r>
+            <a:r>
+              <a:rPr lang="en-US" altLang="zh-CN" sz="1400">
+                <a:solidFill>
+                  <a:srgbClr val="000000"/>
+                </a:solidFill>
+                <a:latin typeface="Consolas" pitchFamily="49"/>
+                <a:ea typeface="微软雅黑" pitchFamily="34"/>
+              </a:rPr>
+              <a:t>, </a:t>
+            </a:r>
+            <a:r>
+              <a:rPr lang="zh-CN" altLang="en-US" sz="1400">
+                <a:solidFill>
+                  <a:srgbClr val="000000"/>
+                </a:solidFill>
+                <a:latin typeface="Consolas" pitchFamily="49"/>
+                <a:ea typeface="微软雅黑" pitchFamily="34"/>
+              </a:rPr>
+              <a:t>而比对到重构区域</a:t>
+            </a:r>
+            <a:r>
+              <a:rPr lang="en-US" altLang="zh-CN" sz="1400">
+                <a:solidFill>
+                  <a:srgbClr val="000000"/>
+                </a:solidFill>
+                <a:latin typeface="Consolas" pitchFamily="49"/>
+                <a:ea typeface="微软雅黑" pitchFamily="34"/>
+              </a:rPr>
+              <a:t>, </a:t>
+            </a:r>
+            <a:r>
+              <a:rPr lang="zh-CN" altLang="en-US" sz="1400">
+                <a:solidFill>
+                  <a:srgbClr val="000000"/>
+                </a:solidFill>
+                <a:latin typeface="Consolas" pitchFamily="49"/>
+                <a:ea typeface="微软雅黑" pitchFamily="34"/>
+              </a:rPr>
+              <a:t>但是也可能仍然比对不上</a:t>
+            </a:r>
+            <a:r>
+              <a:rPr lang="en-US" altLang="zh-CN" sz="1400">
+                <a:solidFill>
+                  <a:srgbClr val="000000"/>
+                </a:solidFill>
+                <a:latin typeface="Consolas" pitchFamily="49"/>
+                <a:ea typeface="微软雅黑" pitchFamily="34"/>
+              </a:rPr>
+              <a:t>. </a:t>
+            </a:r>
+          </a:p>
+          <a:p>
+            <a:pPr lvl="0" defTabSz="539998">
+              <a:lnSpc>
+                <a:spcPct val="90000"/>
+              </a:lnSpc>
+              <a:spcBef>
+                <a:spcPts val="1000"/>
+              </a:spcBef>
+              <a:buClrTx/>
+              <a:buSzPct val="100000"/>
+              <a:defRPr/>
+            </a:pPr>
+            <a:r>
+              <a:rPr lang="en-US" altLang="zh-CN" sz="1400">
+                <a:solidFill>
+                  <a:srgbClr val="000000"/>
+                </a:solidFill>
+                <a:latin typeface="Consolas" pitchFamily="49"/>
+                <a:ea typeface="微软雅黑" pitchFamily="34"/>
+              </a:rPr>
+              <a:t>	</a:t>
+            </a:r>
+            <a:r>
+              <a:rPr lang="zh-CN" altLang="en-US" sz="1400">
+                <a:solidFill>
+                  <a:srgbClr val="000000"/>
+                </a:solidFill>
+                <a:latin typeface="Consolas" pitchFamily="49"/>
+                <a:ea typeface="微软雅黑" pitchFamily="34"/>
+              </a:rPr>
+              <a:t>因此</a:t>
+            </a:r>
+            <a:r>
+              <a:rPr lang="en-US" altLang="zh-CN" sz="1400">
+                <a:solidFill>
+                  <a:srgbClr val="000000"/>
+                </a:solidFill>
+                <a:latin typeface="Consolas" pitchFamily="49"/>
+                <a:ea typeface="微软雅黑" pitchFamily="34"/>
+              </a:rPr>
+              <a:t>, </a:t>
+            </a:r>
+            <a:r>
+              <a:rPr lang="zh-CN" altLang="en-US" sz="1400">
+                <a:solidFill>
+                  <a:srgbClr val="000000"/>
+                </a:solidFill>
+                <a:latin typeface="Consolas" pitchFamily="49"/>
+                <a:ea typeface="微软雅黑" pitchFamily="34"/>
+              </a:rPr>
+              <a:t>只需要输出重构过的区域</a:t>
+            </a:r>
+            <a:endParaRPr lang="en-US" altLang="zh-CN" sz="1400">
+              <a:solidFill>
+                <a:srgbClr val="000000"/>
+              </a:solidFill>
+              <a:latin typeface="Consolas" pitchFamily="49"/>
+              <a:ea typeface="微软雅黑" pitchFamily="34"/>
+            </a:endParaRPr>
+          </a:p>
+        </p:txBody>
+      </p:sp>
+    </p:spTree>
+    <p:extLst>
+      <p:ext uri="{BB962C8B-B14F-4D97-AF65-F5344CB8AC3E}">
+        <p14:creationId xmlns:p14="http://schemas.microsoft.com/office/powerpoint/2010/main" val="2753645753"/>
+      </p:ext>
+    </p:extLst>
+  </p:cSld>
+  <p:clrMapOvr>
+    <a:masterClrMapping/>
+  </p:clrMapOvr>
+</p:sld>
+</file>
+
+<file path=ppt/slides/slide6.xml><?xml version="1.0" encoding="utf-8"?>
+<p:sld xmlns:a="http://schemas.openxmlformats.org/drawingml/2006/main" xmlns:r="http://schemas.openxmlformats.org/officeDocument/2006/relationships" xmlns:p="http://schemas.openxmlformats.org/presentationml/2006/main">
+  <p:cSld>
+    <p:spTree>
+      <p:nvGrpSpPr>
+        <p:cNvPr id="1" name=""/>
+        <p:cNvGrpSpPr/>
+        <p:nvPr/>
+      </p:nvGrpSpPr>
+      <p:grpSpPr>
+        <a:xfrm>
+          <a:off x="0" y="0"/>
+          <a:ext cx="0" cy="0"/>
+          <a:chOff x="0" y="0"/>
+          <a:chExt cx="0" cy="0"/>
+        </a:xfrm>
+      </p:grpSpPr>
+      <p:sp>
+        <p:nvSpPr>
+          <p:cNvPr id="8" name="副标题 2">
+            <a:extLst>
+              <a:ext uri="{FF2B5EF4-FFF2-40B4-BE49-F238E27FC236}">
+                <a16:creationId xmlns:a16="http://schemas.microsoft.com/office/drawing/2014/main" id="{44454878-0297-452F-8605-93B10772F9FE}"/>
+              </a:ext>
+            </a:extLst>
+          </p:cNvPr>
+          <p:cNvSpPr txBox="1">
+            <a:spLocks/>
+          </p:cNvSpPr>
+          <p:nvPr/>
+        </p:nvSpPr>
+        <p:spPr>
+          <a:xfrm>
+            <a:off x="8220974" y="-1"/>
+            <a:ext cx="3971026" cy="286232"/>
+          </a:xfrm>
+          <a:prstGeom prst="rect">
+            <a:avLst/>
+          </a:prstGeom>
+          <a:noFill/>
+          <a:ln>
+            <a:noFill/>
+          </a:ln>
+        </p:spPr>
+        <p:txBody>
+          <a:bodyPr vert="horz" wrap="square" lIns="91440" tIns="45720" rIns="91440" bIns="45720" anchor="t" anchorCtr="1" compatLnSpc="1">
+            <a:spAutoFit/>
+          </a:bodyPr>
+          <a:lstStyle>
+            <a:lvl1pPr marL="0" marR="0" lvl="0" indent="0" algn="ctr" defTabSz="539998" rtl="0" fontAlgn="auto" hangingPunct="1">
+              <a:lnSpc>
+                <a:spcPct val="90000"/>
+              </a:lnSpc>
+              <a:spcBef>
+                <a:spcPts val="1000"/>
+              </a:spcBef>
+              <a:spcAft>
+                <a:spcPts val="0"/>
+              </a:spcAft>
+              <a:buSzPct val="100000"/>
+              <a:buFont typeface="Arial" pitchFamily="34"/>
+              <a:buNone/>
+              <a:tabLst/>
+              <a:defRPr lang="zh-CN" sz="2400" b="0" i="0" u="none" strike="noStrike" kern="1200" cap="none" spc="0" baseline="0">
+                <a:solidFill>
+                  <a:srgbClr val="000000"/>
+                </a:solidFill>
+                <a:uFillTx/>
+                <a:latin typeface="Consolas" pitchFamily="49"/>
+                <a:ea typeface="微软雅黑" pitchFamily="34"/>
+              </a:defRPr>
+            </a:lvl1pPr>
+            <a:lvl2pPr marL="685800" marR="0" lvl="1" indent="-228600" algn="l" defTabSz="539998" rtl="0" fontAlgn="auto" hangingPunct="1">
+              <a:lnSpc>
+                <a:spcPct val="90000"/>
+              </a:lnSpc>
+              <a:spcBef>
+                <a:spcPts val="500"/>
+              </a:spcBef>
+              <a:spcAft>
+                <a:spcPts val="0"/>
+              </a:spcAft>
+              <a:buSzPct val="100000"/>
+              <a:buFont typeface="Arial" pitchFamily="34"/>
+              <a:buChar char="•"/>
+              <a:tabLst/>
+              <a:defRPr lang="zh-CN" sz="2400" b="0" i="0" u="none" strike="noStrike" kern="1200" cap="none" spc="0" baseline="0">
+                <a:solidFill>
+                  <a:srgbClr val="000000"/>
+                </a:solidFill>
+                <a:uFillTx/>
+                <a:latin typeface="Consolas" pitchFamily="49"/>
+                <a:ea typeface="微软雅黑" pitchFamily="34"/>
+              </a:defRPr>
+            </a:lvl2pPr>
+            <a:lvl3pPr marL="1143000" marR="0" lvl="2" indent="-228600" algn="l" defTabSz="539998" rtl="0" fontAlgn="auto" hangingPunct="1">
+              <a:lnSpc>
+                <a:spcPct val="90000"/>
+              </a:lnSpc>
+              <a:spcBef>
+                <a:spcPts val="500"/>
+              </a:spcBef>
+              <a:spcAft>
+                <a:spcPts val="0"/>
+              </a:spcAft>
+              <a:buSzPct val="100000"/>
+              <a:buFont typeface="Arial" pitchFamily="34"/>
+              <a:buChar char="•"/>
+              <a:tabLst/>
+              <a:defRPr lang="zh-CN" sz="2000" b="0" i="0" u="none" strike="noStrike" kern="1200" cap="none" spc="0" baseline="0">
+                <a:solidFill>
+                  <a:srgbClr val="000000"/>
+                </a:solidFill>
+                <a:uFillTx/>
+                <a:latin typeface="Consolas" pitchFamily="49"/>
+                <a:ea typeface="微软雅黑" pitchFamily="34"/>
+              </a:defRPr>
+            </a:lvl3pPr>
+            <a:lvl4pPr marL="1600200" marR="0" lvl="3" indent="-228600" algn="l" defTabSz="539998" rtl="0" fontAlgn="auto" hangingPunct="1">
+              <a:lnSpc>
+                <a:spcPct val="90000"/>
+              </a:lnSpc>
+              <a:spcBef>
+                <a:spcPts val="500"/>
+              </a:spcBef>
+              <a:spcAft>
+                <a:spcPts val="0"/>
+              </a:spcAft>
+              <a:buSzPct val="100000"/>
+              <a:buFont typeface="Arial" pitchFamily="34"/>
+              <a:buChar char="•"/>
+              <a:tabLst/>
+              <a:defRPr lang="zh-CN" sz="1800" b="0" i="0" u="none" strike="noStrike" kern="1200" cap="none" spc="0" baseline="0">
+                <a:solidFill>
+                  <a:srgbClr val="000000"/>
+                </a:solidFill>
+                <a:uFillTx/>
+                <a:latin typeface="Consolas" pitchFamily="49"/>
+                <a:ea typeface="微软雅黑" pitchFamily="34"/>
+              </a:defRPr>
+            </a:lvl4pPr>
+            <a:lvl5pPr marL="2057400" marR="0" lvl="4" indent="-228600" algn="l" defTabSz="539998" rtl="0" fontAlgn="auto" hangingPunct="1">
+              <a:lnSpc>
+                <a:spcPct val="90000"/>
+              </a:lnSpc>
+              <a:spcBef>
+                <a:spcPts val="500"/>
+              </a:spcBef>
+              <a:spcAft>
+                <a:spcPts val="0"/>
+              </a:spcAft>
+              <a:buSzPct val="100000"/>
+              <a:buFont typeface="Arial" pitchFamily="34"/>
+              <a:buChar char="•"/>
+              <a:tabLst/>
+              <a:defRPr lang="zh-CN" sz="1800" b="0" i="0" u="none" strike="noStrike" kern="1200" cap="none" spc="0" baseline="0">
+                <a:solidFill>
+                  <a:srgbClr val="000000"/>
+                </a:solidFill>
+                <a:uFillTx/>
+                <a:latin typeface="Consolas" pitchFamily="49"/>
+                <a:ea typeface="微软雅黑" pitchFamily="34"/>
+              </a:defRPr>
+            </a:lvl5pPr>
+            <a:lvl6pPr marL="2514600" indent="-228600" algn="l" defTabSz="914400" rtl="0" eaLnBrk="1" latinLnBrk="0" hangingPunct="1">
+              <a:lnSpc>
+                <a:spcPct val="90000"/>
+              </a:lnSpc>
+              <a:spcBef>
+                <a:spcPts val="500"/>
+              </a:spcBef>
+              <a:buFont typeface="Arial" panose="020B0604020202020204" pitchFamily="34" charset="0"/>
+              <a:buChar char="•"/>
+              <a:defRPr sz="1800" kern="1200">
+                <a:solidFill>
+                  <a:schemeClr val="tx1"/>
+                </a:solidFill>
+                <a:latin typeface="+mn-lt"/>
+                <a:ea typeface="+mn-ea"/>
+                <a:cs typeface="+mn-cs"/>
+              </a:defRPr>
+            </a:lvl6pPr>
+            <a:lvl7pPr marL="2971800" indent="-228600" algn="l" defTabSz="914400" rtl="0" eaLnBrk="1" latinLnBrk="0" hangingPunct="1">
+              <a:lnSpc>
+                <a:spcPct val="90000"/>
+              </a:lnSpc>
+              <a:spcBef>
+                <a:spcPts val="500"/>
+              </a:spcBef>
+              <a:buFont typeface="Arial" panose="020B0604020202020204" pitchFamily="34" charset="0"/>
+              <a:buChar char="•"/>
+              <a:defRPr sz="1800" kern="1200">
+                <a:solidFill>
+                  <a:schemeClr val="tx1"/>
+                </a:solidFill>
+                <a:latin typeface="+mn-lt"/>
+                <a:ea typeface="+mn-ea"/>
+                <a:cs typeface="+mn-cs"/>
+              </a:defRPr>
+            </a:lvl7pPr>
+            <a:lvl8pPr marL="3429000" indent="-228600" algn="l" defTabSz="914400" rtl="0" eaLnBrk="1" latinLnBrk="0" hangingPunct="1">
+              <a:lnSpc>
+                <a:spcPct val="90000"/>
+              </a:lnSpc>
+              <a:spcBef>
+                <a:spcPts val="500"/>
+              </a:spcBef>
+              <a:buFont typeface="Arial" panose="020B0604020202020204" pitchFamily="34" charset="0"/>
+              <a:buChar char="•"/>
+              <a:defRPr sz="1800" kern="1200">
+                <a:solidFill>
+                  <a:schemeClr val="tx1"/>
+                </a:solidFill>
+                <a:latin typeface="+mn-lt"/>
+                <a:ea typeface="+mn-ea"/>
+                <a:cs typeface="+mn-cs"/>
+              </a:defRPr>
+            </a:lvl8pPr>
+            <a:lvl9pPr marL="3886200" indent="-228600" algn="l" defTabSz="914400" rtl="0" eaLnBrk="1" latinLnBrk="0" hangingPunct="1">
+              <a:lnSpc>
+                <a:spcPct val="90000"/>
+              </a:lnSpc>
+              <a:spcBef>
+                <a:spcPts val="500"/>
+              </a:spcBef>
+              <a:buFont typeface="Arial" panose="020B0604020202020204" pitchFamily="34" charset="0"/>
+              <a:buChar char="•"/>
+              <a:defRPr sz="1800" kern="1200">
+                <a:solidFill>
+                  <a:schemeClr val="tx1"/>
+                </a:solidFill>
+                <a:latin typeface="+mn-lt"/>
+                <a:ea typeface="+mn-ea"/>
+                <a:cs typeface="+mn-cs"/>
+              </a:defRPr>
+            </a:lvl9pPr>
+          </a:lstStyle>
+          <a:p>
+            <a:r>
+              <a:rPr lang="en-US" sz="1400"/>
+              <a:t>Length of Given Reads: 70bp</a:t>
+            </a:r>
+          </a:p>
+        </p:txBody>
+      </p:sp>
+      <p:sp>
+        <p:nvSpPr>
+          <p:cNvPr id="24" name="文本框 23">
+            <a:extLst>
+              <a:ext uri="{FF2B5EF4-FFF2-40B4-BE49-F238E27FC236}">
+                <a16:creationId xmlns:a16="http://schemas.microsoft.com/office/drawing/2014/main" id="{6693B580-A446-44B9-9296-0FCEDA11CFB9}"/>
+              </a:ext>
+            </a:extLst>
+          </p:cNvPr>
+          <p:cNvSpPr txBox="1"/>
+          <p:nvPr/>
+        </p:nvSpPr>
+        <p:spPr>
+          <a:xfrm>
+            <a:off x="0" y="369332"/>
+            <a:ext cx="12192000" cy="480131"/>
+          </a:xfrm>
+          <a:prstGeom prst="rect">
+            <a:avLst/>
+          </a:prstGeom>
+          <a:noFill/>
+        </p:spPr>
+        <p:txBody>
+          <a:bodyPr wrap="square" rtlCol="0">
+            <a:spAutoFit/>
+          </a:bodyPr>
+          <a:lstStyle/>
+          <a:p>
+            <a:pPr lvl="0" defTabSz="539998">
+              <a:lnSpc>
+                <a:spcPct val="90000"/>
+              </a:lnSpc>
+              <a:spcBef>
+                <a:spcPts val="1000"/>
+              </a:spcBef>
+              <a:buClrTx/>
+              <a:buSzPct val="100000"/>
+              <a:defRPr/>
+            </a:pPr>
+            <a:r>
+              <a:rPr lang="en-US" altLang="zh-CN" sz="1400">
+                <a:solidFill>
+                  <a:srgbClr val="000000"/>
+                </a:solidFill>
+                <a:latin typeface="Consolas" pitchFamily="49"/>
+                <a:ea typeface="微软雅黑" pitchFamily="34"/>
+              </a:rPr>
+              <a:t>- </a:t>
+            </a:r>
+            <a:r>
+              <a:rPr lang="zh-CN" altLang="en-US" sz="1400">
+                <a:solidFill>
+                  <a:srgbClr val="000000"/>
+                </a:solidFill>
+                <a:latin typeface="Consolas" pitchFamily="49"/>
+                <a:ea typeface="微软雅黑" pitchFamily="34"/>
+              </a:rPr>
+              <a:t>下图中两个变异</a:t>
+            </a:r>
+            <a:r>
+              <a:rPr lang="en-US" altLang="zh-CN" sz="1400">
+                <a:solidFill>
+                  <a:srgbClr val="000000"/>
+                </a:solidFill>
+                <a:latin typeface="Consolas" pitchFamily="49"/>
+                <a:ea typeface="微软雅黑" pitchFamily="34"/>
+              </a:rPr>
+              <a:t>v1</a:t>
+            </a:r>
+            <a:r>
+              <a:rPr lang="zh-CN" altLang="en-US" sz="1400">
+                <a:solidFill>
+                  <a:srgbClr val="000000"/>
+                </a:solidFill>
+                <a:latin typeface="Consolas" pitchFamily="49"/>
+                <a:ea typeface="微软雅黑" pitchFamily="34"/>
+              </a:rPr>
+              <a:t>和</a:t>
+            </a:r>
+            <a:r>
+              <a:rPr lang="en-US" altLang="zh-CN" sz="1400">
+                <a:solidFill>
+                  <a:srgbClr val="000000"/>
+                </a:solidFill>
+                <a:latin typeface="Consolas" pitchFamily="49"/>
+                <a:ea typeface="微软雅黑" pitchFamily="34"/>
+              </a:rPr>
+              <a:t>v2</a:t>
+            </a:r>
+            <a:r>
+              <a:rPr lang="zh-CN" altLang="en-US" sz="1400">
+                <a:solidFill>
+                  <a:srgbClr val="000000"/>
+                </a:solidFill>
+                <a:latin typeface="Consolas" pitchFamily="49"/>
+                <a:ea typeface="微软雅黑" pitchFamily="34"/>
+              </a:rPr>
+              <a:t>的区域不重叠（</a:t>
+            </a:r>
+            <a:r>
+              <a:rPr lang="en-US" altLang="zh-CN" sz="1400">
+                <a:solidFill>
+                  <a:srgbClr val="000000"/>
+                </a:solidFill>
+                <a:latin typeface="Consolas" pitchFamily="49"/>
+                <a:ea typeface="微软雅黑" pitchFamily="34"/>
+              </a:rPr>
+              <a:t>v1</a:t>
+            </a:r>
+            <a:r>
+              <a:rPr lang="zh-CN" altLang="en-US" sz="1400">
+                <a:solidFill>
+                  <a:srgbClr val="000000"/>
+                </a:solidFill>
+                <a:latin typeface="Consolas" pitchFamily="49"/>
+                <a:ea typeface="微软雅黑" pitchFamily="34"/>
+              </a:rPr>
+              <a:t>的区域为</a:t>
+            </a:r>
+            <a:r>
+              <a:rPr lang="en-US" altLang="zh-CN" sz="1400">
+                <a:solidFill>
+                  <a:srgbClr val="000000"/>
+                </a:solidFill>
+                <a:latin typeface="Consolas" pitchFamily="49"/>
+                <a:ea typeface="微软雅黑" pitchFamily="34"/>
+              </a:rPr>
+              <a:t>pos(v1)±length(reads)</a:t>
+            </a:r>
+            <a:r>
+              <a:rPr lang="zh-CN" altLang="en-US" sz="1400">
+                <a:solidFill>
+                  <a:srgbClr val="000000"/>
+                </a:solidFill>
+                <a:latin typeface="Consolas" pitchFamily="49"/>
+                <a:ea typeface="微软雅黑" pitchFamily="34"/>
+              </a:rPr>
+              <a:t>），</a:t>
+            </a:r>
+            <a:r>
+              <a:rPr lang="en-US" altLang="zh-CN" sz="1400">
+                <a:solidFill>
+                  <a:srgbClr val="000000"/>
+                </a:solidFill>
+                <a:latin typeface="Consolas" pitchFamily="49"/>
+                <a:ea typeface="微软雅黑" pitchFamily="34"/>
+              </a:rPr>
+              <a:t>v2</a:t>
+            </a:r>
+            <a:r>
+              <a:rPr lang="zh-CN" altLang="en-US" sz="1400">
+                <a:solidFill>
+                  <a:srgbClr val="000000"/>
+                </a:solidFill>
+                <a:latin typeface="Consolas" pitchFamily="49"/>
+                <a:ea typeface="微软雅黑" pitchFamily="34"/>
+              </a:rPr>
+              <a:t>和</a:t>
+            </a:r>
+            <a:r>
+              <a:rPr lang="en-US" altLang="zh-CN" sz="1400">
+                <a:solidFill>
+                  <a:srgbClr val="000000"/>
+                </a:solidFill>
+                <a:latin typeface="Consolas" pitchFamily="49"/>
+                <a:ea typeface="微软雅黑" pitchFamily="34"/>
+              </a:rPr>
+              <a:t>v3</a:t>
+            </a:r>
+            <a:r>
+              <a:rPr lang="zh-CN" altLang="en-US" sz="1400">
+                <a:solidFill>
+                  <a:srgbClr val="000000"/>
+                </a:solidFill>
+                <a:latin typeface="Consolas" pitchFamily="49"/>
+                <a:ea typeface="微软雅黑" pitchFamily="34"/>
+              </a:rPr>
+              <a:t>的区域重叠，一条</a:t>
+            </a:r>
+            <a:r>
+              <a:rPr lang="en-US" altLang="zh-CN" sz="1400">
+                <a:solidFill>
+                  <a:srgbClr val="000000"/>
+                </a:solidFill>
+                <a:latin typeface="Consolas" pitchFamily="49"/>
+                <a:ea typeface="微软雅黑" pitchFamily="34"/>
+              </a:rPr>
+              <a:t>read</a:t>
+            </a:r>
+            <a:r>
+              <a:rPr lang="zh-CN" altLang="en-US" sz="1400">
+                <a:solidFill>
+                  <a:srgbClr val="000000"/>
+                </a:solidFill>
+                <a:latin typeface="Consolas" pitchFamily="49"/>
+                <a:ea typeface="微软雅黑" pitchFamily="34"/>
+              </a:rPr>
+              <a:t>可以同时覆盖</a:t>
+            </a:r>
+            <a:r>
+              <a:rPr lang="en-US" altLang="zh-CN" sz="1400">
+                <a:solidFill>
+                  <a:srgbClr val="000000"/>
+                </a:solidFill>
+                <a:latin typeface="Consolas" pitchFamily="49"/>
+                <a:ea typeface="微软雅黑" pitchFamily="34"/>
+              </a:rPr>
+              <a:t>v2</a:t>
+            </a:r>
+            <a:r>
+              <a:rPr lang="zh-CN" altLang="en-US" sz="1400">
+                <a:solidFill>
+                  <a:srgbClr val="000000"/>
+                </a:solidFill>
+                <a:latin typeface="Consolas" pitchFamily="49"/>
+                <a:ea typeface="微软雅黑" pitchFamily="34"/>
+              </a:rPr>
+              <a:t>和</a:t>
+            </a:r>
+            <a:r>
+              <a:rPr lang="en-US" altLang="zh-CN" sz="1400">
+                <a:solidFill>
+                  <a:srgbClr val="000000"/>
+                </a:solidFill>
+                <a:latin typeface="Consolas" pitchFamily="49"/>
+                <a:ea typeface="微软雅黑" pitchFamily="34"/>
+              </a:rPr>
+              <a:t>v3</a:t>
+            </a:r>
+            <a:r>
+              <a:rPr lang="zh-CN" altLang="en-US" sz="1400">
+                <a:solidFill>
+                  <a:srgbClr val="000000"/>
+                </a:solidFill>
+                <a:latin typeface="Consolas" pitchFamily="49"/>
+                <a:ea typeface="微软雅黑" pitchFamily="34"/>
+              </a:rPr>
+              <a:t>，但是不能同时覆盖</a:t>
+            </a:r>
+            <a:r>
+              <a:rPr lang="en-US" altLang="zh-CN" sz="1400">
+                <a:solidFill>
+                  <a:srgbClr val="000000"/>
+                </a:solidFill>
+                <a:latin typeface="Consolas" pitchFamily="49"/>
+                <a:ea typeface="微软雅黑" pitchFamily="34"/>
+              </a:rPr>
+              <a:t>v1</a:t>
+            </a:r>
+            <a:r>
+              <a:rPr lang="zh-CN" altLang="en-US" sz="1400">
+                <a:solidFill>
+                  <a:srgbClr val="000000"/>
+                </a:solidFill>
+                <a:latin typeface="Consolas" pitchFamily="49"/>
+                <a:ea typeface="微软雅黑" pitchFamily="34"/>
+              </a:rPr>
+              <a:t>。假设有一条序列片段</a:t>
+            </a:r>
+            <a:r>
+              <a:rPr lang="en-US" altLang="zh-CN" sz="1400">
+                <a:solidFill>
+                  <a:srgbClr val="000000"/>
+                </a:solidFill>
+                <a:latin typeface="Consolas" pitchFamily="49"/>
+                <a:ea typeface="微软雅黑" pitchFamily="34"/>
+              </a:rPr>
+              <a:t>r</a:t>
+            </a:r>
+            <a:r>
+              <a:rPr lang="zh-CN" altLang="en-US" sz="1400">
+                <a:solidFill>
+                  <a:srgbClr val="000000"/>
+                </a:solidFill>
+                <a:latin typeface="Consolas" pitchFamily="49"/>
+                <a:ea typeface="微软雅黑" pitchFamily="34"/>
+              </a:rPr>
+              <a:t>（</a:t>
+            </a:r>
+            <a:r>
+              <a:rPr lang="en-US" altLang="zh-CN" sz="1400">
+                <a:solidFill>
+                  <a:srgbClr val="000000"/>
+                </a:solidFill>
+                <a:latin typeface="Consolas" pitchFamily="49"/>
+                <a:ea typeface="微软雅黑" pitchFamily="34"/>
+              </a:rPr>
+              <a:t>read</a:t>
+            </a:r>
+            <a:r>
+              <a:rPr lang="zh-CN" altLang="en-US" sz="1400">
+                <a:solidFill>
+                  <a:srgbClr val="000000"/>
+                </a:solidFill>
+                <a:latin typeface="Consolas" pitchFamily="49"/>
+                <a:ea typeface="微软雅黑" pitchFamily="34"/>
+              </a:rPr>
+              <a:t>）。</a:t>
+            </a:r>
+            <a:endParaRPr lang="en-US" altLang="zh-CN" sz="1400">
+              <a:solidFill>
+                <a:srgbClr val="000000"/>
+              </a:solidFill>
+              <a:latin typeface="Consolas" pitchFamily="49"/>
+              <a:ea typeface="微软雅黑" pitchFamily="34"/>
+            </a:endParaRPr>
+          </a:p>
+        </p:txBody>
+      </p:sp>
+      <p:sp>
+        <p:nvSpPr>
+          <p:cNvPr id="2" name="文本框 1">
+            <a:extLst>
+              <a:ext uri="{FF2B5EF4-FFF2-40B4-BE49-F238E27FC236}">
+                <a16:creationId xmlns:a16="http://schemas.microsoft.com/office/drawing/2014/main" id="{9C09502C-FCA8-4A5F-B91A-2EE0AEF244B7}"/>
+              </a:ext>
+            </a:extLst>
+          </p:cNvPr>
+          <p:cNvSpPr txBox="1"/>
+          <p:nvPr/>
+        </p:nvSpPr>
+        <p:spPr>
+          <a:xfrm>
+            <a:off x="-1" y="0"/>
+            <a:ext cx="7667625" cy="369332"/>
+          </a:xfrm>
+          <a:prstGeom prst="rect">
+            <a:avLst/>
+          </a:prstGeom>
+          <a:noFill/>
+        </p:spPr>
+        <p:txBody>
+          <a:bodyPr wrap="square" rtlCol="0">
+            <a:spAutoFit/>
+          </a:bodyPr>
+          <a:lstStyle/>
+          <a:p>
+            <a:pPr marL="0" marR="0" lvl="0" indent="0" defTabSz="539998" rtl="0" eaLnBrk="1" fontAlgn="auto" latinLnBrk="0" hangingPunct="1">
+              <a:lnSpc>
+                <a:spcPct val="90000"/>
+              </a:lnSpc>
+              <a:spcBef>
+                <a:spcPts val="1000"/>
+              </a:spcBef>
+              <a:spcAft>
+                <a:spcPts val="0"/>
+              </a:spcAft>
+              <a:buClrTx/>
+              <a:buSzPct val="100000"/>
+              <a:buFont typeface="Arial" pitchFamily="34"/>
+              <a:buNone/>
+              <a:tabLst/>
+              <a:defRPr/>
+            </a:pPr>
+            <a:r>
+              <a:rPr kumimoji="0" lang="zh-CN" altLang="en-US" sz="2000" b="0" i="0" u="none" strike="noStrike" kern="1200" cap="none" spc="0" normalizeH="0" baseline="0" noProof="0">
+                <a:ln>
+                  <a:noFill/>
+                </a:ln>
+                <a:solidFill>
+                  <a:srgbClr val="000000"/>
+                </a:solidFill>
+                <a:effectLst/>
+                <a:uLnTx/>
+                <a:uFillTx/>
+                <a:latin typeface="Consolas" pitchFamily="49"/>
+                <a:ea typeface="微软雅黑" pitchFamily="34"/>
+              </a:rPr>
+              <a:t>参考基因组的压缩输出的考虑</a:t>
+            </a:r>
+            <a:endParaRPr kumimoji="0" lang="en-US" altLang="zh-CN" sz="2000" b="0" i="0" u="none" strike="noStrike" kern="1200" cap="none" spc="0" normalizeH="0" baseline="0" noProof="0">
+              <a:ln>
+                <a:noFill/>
+              </a:ln>
+              <a:solidFill>
+                <a:srgbClr val="000000"/>
+              </a:solidFill>
+              <a:effectLst/>
+              <a:uLnTx/>
+              <a:uFillTx/>
+              <a:latin typeface="Consolas" pitchFamily="49"/>
+              <a:ea typeface="微软雅黑" pitchFamily="34"/>
+            </a:endParaRPr>
+          </a:p>
+        </p:txBody>
+      </p:sp>
+      <p:cxnSp>
+        <p:nvCxnSpPr>
+          <p:cNvPr id="5" name="直接连接符 4">
+            <a:extLst>
+              <a:ext uri="{FF2B5EF4-FFF2-40B4-BE49-F238E27FC236}">
+                <a16:creationId xmlns:a16="http://schemas.microsoft.com/office/drawing/2014/main" id="{CB59BDA0-9B38-4016-8957-9C53C977E559}"/>
+              </a:ext>
+            </a:extLst>
+          </p:cNvPr>
+          <p:cNvCxnSpPr>
+            <a:cxnSpLocks/>
+          </p:cNvCxnSpPr>
+          <p:nvPr/>
+        </p:nvCxnSpPr>
+        <p:spPr>
+          <a:xfrm>
+            <a:off x="259882" y="1854832"/>
+            <a:ext cx="11511815" cy="0"/>
+          </a:xfrm>
+          <a:prstGeom prst="line">
+            <a:avLst/>
+          </a:prstGeom>
+          <a:ln w="25400"/>
+        </p:spPr>
+        <p:style>
+          <a:lnRef idx="1">
+            <a:schemeClr val="accent1"/>
+          </a:lnRef>
+          <a:fillRef idx="0">
+            <a:schemeClr val="accent1"/>
+          </a:fillRef>
+          <a:effectRef idx="0">
+            <a:schemeClr val="accent1"/>
+          </a:effectRef>
+          <a:fontRef idx="minor">
+            <a:schemeClr val="tx1"/>
+          </a:fontRef>
+        </p:style>
+      </p:cxnSp>
+      <p:sp>
+        <p:nvSpPr>
+          <p:cNvPr id="6" name="等腰三角形 5">
+            <a:extLst>
+              <a:ext uri="{FF2B5EF4-FFF2-40B4-BE49-F238E27FC236}">
+                <a16:creationId xmlns:a16="http://schemas.microsoft.com/office/drawing/2014/main" id="{AB3354CB-A794-42CC-A4D8-C6D48864C5AC}"/>
+              </a:ext>
+            </a:extLst>
+          </p:cNvPr>
+          <p:cNvSpPr>
+            <a:spLocks noChangeAspect="1"/>
+          </p:cNvSpPr>
+          <p:nvPr/>
+        </p:nvSpPr>
+        <p:spPr>
+          <a:xfrm>
+            <a:off x="2495550" y="1721482"/>
+            <a:ext cx="252000" cy="252000"/>
+          </a:xfrm>
+          <a:prstGeom prst="triangle">
+            <a:avLst/>
+          </a:prstGeom>
+          <a:solidFill>
+            <a:srgbClr val="FFC000"/>
+          </a:solidFill>
+        </p:spPr>
+        <p:style>
+          <a:lnRef idx="2">
+            <a:schemeClr val="accent1">
+              <a:shade val="50000"/>
+            </a:schemeClr>
+          </a:lnRef>
+          <a:fillRef idx="1">
+            <a:schemeClr val="accent1"/>
+          </a:fillRef>
+          <a:effectRef idx="0">
+            <a:schemeClr val="accent1"/>
+          </a:effectRef>
+          <a:fontRef idx="minor">
+            <a:schemeClr val="lt1"/>
+          </a:fontRef>
+        </p:style>
+        <p:txBody>
+          <a:bodyPr rtlCol="0" anchor="ctr"/>
+          <a:lstStyle/>
+          <a:p>
+            <a:pPr algn="ctr"/>
+            <a:endParaRPr lang="zh-CN" altLang="en-US"/>
+          </a:p>
+        </p:txBody>
+      </p:sp>
+      <p:sp>
+        <p:nvSpPr>
+          <p:cNvPr id="20" name="等腰三角形 19">
+            <a:extLst>
+              <a:ext uri="{FF2B5EF4-FFF2-40B4-BE49-F238E27FC236}">
+                <a16:creationId xmlns:a16="http://schemas.microsoft.com/office/drawing/2014/main" id="{C8889F6D-5B7A-412D-A8BE-A485F5588E36}"/>
+              </a:ext>
+            </a:extLst>
+          </p:cNvPr>
+          <p:cNvSpPr>
+            <a:spLocks noChangeAspect="1"/>
+          </p:cNvSpPr>
+          <p:nvPr/>
+        </p:nvSpPr>
+        <p:spPr>
+          <a:xfrm>
+            <a:off x="8028002" y="1721484"/>
+            <a:ext cx="252000" cy="252000"/>
+          </a:xfrm>
+          <a:prstGeom prst="triangle">
+            <a:avLst/>
+          </a:prstGeom>
+          <a:solidFill>
+            <a:srgbClr val="FFC000"/>
+          </a:solidFill>
+        </p:spPr>
+        <p:style>
+          <a:lnRef idx="2">
+            <a:schemeClr val="accent1">
+              <a:shade val="50000"/>
+            </a:schemeClr>
+          </a:lnRef>
+          <a:fillRef idx="1">
+            <a:schemeClr val="accent1"/>
+          </a:fillRef>
+          <a:effectRef idx="0">
+            <a:schemeClr val="accent1"/>
+          </a:effectRef>
+          <a:fontRef idx="minor">
+            <a:schemeClr val="lt1"/>
+          </a:fontRef>
+        </p:style>
+        <p:txBody>
+          <a:bodyPr rtlCol="0" anchor="ctr"/>
+          <a:lstStyle/>
+          <a:p>
+            <a:pPr algn="ctr"/>
+            <a:endParaRPr lang="zh-CN" altLang="en-US"/>
+          </a:p>
+        </p:txBody>
+      </p:sp>
+      <p:sp>
+        <p:nvSpPr>
+          <p:cNvPr id="23" name="等腰三角形 22">
+            <a:extLst>
+              <a:ext uri="{FF2B5EF4-FFF2-40B4-BE49-F238E27FC236}">
+                <a16:creationId xmlns:a16="http://schemas.microsoft.com/office/drawing/2014/main" id="{8FEE3838-ACBD-4116-B419-3DD068BDD3C6}"/>
+              </a:ext>
+            </a:extLst>
+          </p:cNvPr>
+          <p:cNvSpPr>
+            <a:spLocks noChangeAspect="1"/>
+          </p:cNvSpPr>
+          <p:nvPr/>
+        </p:nvSpPr>
+        <p:spPr>
+          <a:xfrm>
+            <a:off x="9104327" y="1721484"/>
+            <a:ext cx="252000" cy="252000"/>
+          </a:xfrm>
+          <a:prstGeom prst="triangle">
+            <a:avLst/>
+          </a:prstGeom>
+          <a:solidFill>
+            <a:srgbClr val="FFC000"/>
+          </a:solidFill>
+        </p:spPr>
+        <p:style>
+          <a:lnRef idx="2">
+            <a:schemeClr val="accent1">
+              <a:shade val="50000"/>
+            </a:schemeClr>
+          </a:lnRef>
+          <a:fillRef idx="1">
+            <a:schemeClr val="accent1"/>
+          </a:fillRef>
+          <a:effectRef idx="0">
+            <a:schemeClr val="accent1"/>
+          </a:effectRef>
+          <a:fontRef idx="minor">
+            <a:schemeClr val="lt1"/>
+          </a:fontRef>
+        </p:style>
+        <p:txBody>
+          <a:bodyPr rtlCol="0" anchor="ctr"/>
+          <a:lstStyle/>
+          <a:p>
+            <a:pPr algn="ctr"/>
+            <a:endParaRPr lang="zh-CN" altLang="en-US"/>
+          </a:p>
+        </p:txBody>
+      </p:sp>
+      <p:sp>
+        <p:nvSpPr>
+          <p:cNvPr id="11" name="左中括号 10">
+            <a:extLst>
+              <a:ext uri="{FF2B5EF4-FFF2-40B4-BE49-F238E27FC236}">
+                <a16:creationId xmlns:a16="http://schemas.microsoft.com/office/drawing/2014/main" id="{DB724790-0D96-436F-B405-653A1999D466}"/>
+              </a:ext>
+            </a:extLst>
+          </p:cNvPr>
+          <p:cNvSpPr/>
+          <p:nvPr/>
+        </p:nvSpPr>
+        <p:spPr>
+          <a:xfrm rot="5400000">
+            <a:off x="3614744" y="548566"/>
+            <a:ext cx="175786" cy="2162175"/>
+          </a:xfrm>
+          <a:prstGeom prst="leftBracket">
+            <a:avLst>
+              <a:gd name="adj" fmla="val 127540"/>
+            </a:avLst>
+          </a:prstGeom>
+          <a:ln w="28575">
+            <a:solidFill>
+              <a:schemeClr val="tx1"/>
+            </a:solidFill>
+          </a:ln>
+        </p:spPr>
+        <p:style>
+          <a:lnRef idx="1">
+            <a:schemeClr val="accent1"/>
+          </a:lnRef>
+          <a:fillRef idx="0">
+            <a:schemeClr val="accent1"/>
+          </a:fillRef>
+          <a:effectRef idx="0">
+            <a:schemeClr val="accent1"/>
+          </a:effectRef>
+          <a:fontRef idx="minor">
+            <a:schemeClr val="tx1"/>
+          </a:fontRef>
+        </p:style>
+        <p:txBody>
+          <a:bodyPr rtlCol="0" anchor="ctr"/>
+          <a:lstStyle/>
+          <a:p>
+            <a:pPr algn="ctr"/>
+            <a:endParaRPr lang="zh-CN" altLang="en-US"/>
+          </a:p>
+        </p:txBody>
+      </p:sp>
+      <p:sp>
+        <p:nvSpPr>
+          <p:cNvPr id="25" name="左中括号 24">
+            <a:extLst>
+              <a:ext uri="{FF2B5EF4-FFF2-40B4-BE49-F238E27FC236}">
+                <a16:creationId xmlns:a16="http://schemas.microsoft.com/office/drawing/2014/main" id="{0B13A51C-DB12-42C0-84FE-42CF0791F178}"/>
+              </a:ext>
+            </a:extLst>
+          </p:cNvPr>
+          <p:cNvSpPr/>
+          <p:nvPr/>
+        </p:nvSpPr>
+        <p:spPr>
+          <a:xfrm rot="5400000">
+            <a:off x="1428505" y="548565"/>
+            <a:ext cx="175786" cy="2162175"/>
+          </a:xfrm>
+          <a:prstGeom prst="leftBracket">
+            <a:avLst>
+              <a:gd name="adj" fmla="val 127540"/>
+            </a:avLst>
+          </a:prstGeom>
+          <a:ln w="28575">
+            <a:solidFill>
+              <a:schemeClr val="tx1"/>
+            </a:solidFill>
+          </a:ln>
+        </p:spPr>
+        <p:style>
+          <a:lnRef idx="1">
+            <a:schemeClr val="accent1"/>
+          </a:lnRef>
+          <a:fillRef idx="0">
+            <a:schemeClr val="accent1"/>
+          </a:fillRef>
+          <a:effectRef idx="0">
+            <a:schemeClr val="accent1"/>
+          </a:effectRef>
+          <a:fontRef idx="minor">
+            <a:schemeClr val="tx1"/>
+          </a:fontRef>
+        </p:style>
+        <p:txBody>
+          <a:bodyPr rtlCol="0" anchor="ctr"/>
+          <a:lstStyle/>
+          <a:p>
+            <a:pPr algn="ctr"/>
+            <a:endParaRPr lang="zh-CN" altLang="en-US"/>
+          </a:p>
+        </p:txBody>
+      </p:sp>
+      <p:sp>
+        <p:nvSpPr>
+          <p:cNvPr id="27" name="左中括号 26">
+            <a:extLst>
+              <a:ext uri="{FF2B5EF4-FFF2-40B4-BE49-F238E27FC236}">
+                <a16:creationId xmlns:a16="http://schemas.microsoft.com/office/drawing/2014/main" id="{1B70800B-C121-47C0-9A00-1E00643D4300}"/>
+              </a:ext>
+            </a:extLst>
+          </p:cNvPr>
+          <p:cNvSpPr/>
+          <p:nvPr/>
+        </p:nvSpPr>
+        <p:spPr>
+          <a:xfrm rot="16200000">
+            <a:off x="6985022" y="980290"/>
+            <a:ext cx="175786" cy="2162175"/>
+          </a:xfrm>
+          <a:prstGeom prst="leftBracket">
+            <a:avLst>
+              <a:gd name="adj" fmla="val 127540"/>
+            </a:avLst>
+          </a:prstGeom>
+          <a:ln w="28575">
+            <a:solidFill>
+              <a:schemeClr val="tx1"/>
+            </a:solidFill>
+          </a:ln>
+        </p:spPr>
+        <p:style>
+          <a:lnRef idx="1">
+            <a:schemeClr val="accent1"/>
+          </a:lnRef>
+          <a:fillRef idx="0">
+            <a:schemeClr val="accent1"/>
+          </a:fillRef>
+          <a:effectRef idx="0">
+            <a:schemeClr val="accent1"/>
+          </a:effectRef>
+          <a:fontRef idx="minor">
+            <a:schemeClr val="tx1"/>
+          </a:fontRef>
+        </p:style>
+        <p:txBody>
+          <a:bodyPr rtlCol="0" anchor="ctr"/>
+          <a:lstStyle/>
+          <a:p>
+            <a:pPr algn="ctr"/>
+            <a:endParaRPr lang="zh-CN" altLang="en-US"/>
+          </a:p>
+        </p:txBody>
+      </p:sp>
+      <p:sp>
+        <p:nvSpPr>
+          <p:cNvPr id="28" name="左中括号 27">
+            <a:extLst>
+              <a:ext uri="{FF2B5EF4-FFF2-40B4-BE49-F238E27FC236}">
+                <a16:creationId xmlns:a16="http://schemas.microsoft.com/office/drawing/2014/main" id="{608812E2-4F76-4085-A651-0F80A386EF49}"/>
+              </a:ext>
+            </a:extLst>
+          </p:cNvPr>
+          <p:cNvSpPr/>
+          <p:nvPr/>
+        </p:nvSpPr>
+        <p:spPr>
+          <a:xfrm rot="16200000">
+            <a:off x="9142434" y="980289"/>
+            <a:ext cx="175786" cy="2162175"/>
+          </a:xfrm>
+          <a:prstGeom prst="leftBracket">
+            <a:avLst>
+              <a:gd name="adj" fmla="val 127540"/>
+            </a:avLst>
+          </a:prstGeom>
+          <a:ln w="28575">
+            <a:solidFill>
+              <a:schemeClr val="tx1"/>
+            </a:solidFill>
+          </a:ln>
+        </p:spPr>
+        <p:style>
+          <a:lnRef idx="1">
+            <a:schemeClr val="accent1"/>
+          </a:lnRef>
+          <a:fillRef idx="0">
+            <a:schemeClr val="accent1"/>
+          </a:fillRef>
+          <a:effectRef idx="0">
+            <a:schemeClr val="accent1"/>
+          </a:effectRef>
+          <a:fontRef idx="minor">
+            <a:schemeClr val="tx1"/>
+          </a:fontRef>
+        </p:style>
+        <p:txBody>
+          <a:bodyPr rtlCol="0" anchor="ctr"/>
+          <a:lstStyle/>
+          <a:p>
+            <a:pPr algn="ctr"/>
+            <a:endParaRPr lang="zh-CN" altLang="en-US"/>
+          </a:p>
+        </p:txBody>
+      </p:sp>
+      <p:sp>
+        <p:nvSpPr>
+          <p:cNvPr id="29" name="左中括号 28">
+            <a:extLst>
+              <a:ext uri="{FF2B5EF4-FFF2-40B4-BE49-F238E27FC236}">
+                <a16:creationId xmlns:a16="http://schemas.microsoft.com/office/drawing/2014/main" id="{6BCB147E-92FC-4AB2-BA20-60572C027E23}"/>
+              </a:ext>
+            </a:extLst>
+          </p:cNvPr>
+          <p:cNvSpPr/>
+          <p:nvPr/>
+        </p:nvSpPr>
+        <p:spPr>
+          <a:xfrm rot="5400000">
+            <a:off x="8061345" y="548567"/>
+            <a:ext cx="175786" cy="2162175"/>
+          </a:xfrm>
+          <a:prstGeom prst="leftBracket">
+            <a:avLst>
+              <a:gd name="adj" fmla="val 127540"/>
+            </a:avLst>
+          </a:prstGeom>
+          <a:ln w="28575">
+            <a:solidFill>
+              <a:schemeClr val="tx1"/>
+            </a:solidFill>
+          </a:ln>
+        </p:spPr>
+        <p:style>
+          <a:lnRef idx="1">
+            <a:schemeClr val="accent1"/>
+          </a:lnRef>
+          <a:fillRef idx="0">
+            <a:schemeClr val="accent1"/>
+          </a:fillRef>
+          <a:effectRef idx="0">
+            <a:schemeClr val="accent1"/>
+          </a:effectRef>
+          <a:fontRef idx="minor">
+            <a:schemeClr val="tx1"/>
+          </a:fontRef>
+        </p:style>
+        <p:txBody>
+          <a:bodyPr rtlCol="0" anchor="ctr"/>
+          <a:lstStyle/>
+          <a:p>
+            <a:pPr algn="ctr"/>
+            <a:endParaRPr lang="zh-CN" altLang="en-US"/>
+          </a:p>
+        </p:txBody>
+      </p:sp>
+      <p:sp>
+        <p:nvSpPr>
+          <p:cNvPr id="30" name="左中括号 29">
+            <a:extLst>
+              <a:ext uri="{FF2B5EF4-FFF2-40B4-BE49-F238E27FC236}">
+                <a16:creationId xmlns:a16="http://schemas.microsoft.com/office/drawing/2014/main" id="{3A673D0E-A55F-4548-BEBF-6E4A55257E61}"/>
+              </a:ext>
+            </a:extLst>
+          </p:cNvPr>
+          <p:cNvSpPr/>
+          <p:nvPr/>
+        </p:nvSpPr>
+        <p:spPr>
+          <a:xfrm rot="5400000">
+            <a:off x="10223520" y="547740"/>
+            <a:ext cx="175786" cy="2162175"/>
+          </a:xfrm>
+          <a:prstGeom prst="leftBracket">
+            <a:avLst>
+              <a:gd name="adj" fmla="val 127540"/>
+            </a:avLst>
+          </a:prstGeom>
+          <a:ln w="28575">
+            <a:solidFill>
+              <a:schemeClr val="tx1"/>
+            </a:solidFill>
+          </a:ln>
+        </p:spPr>
+        <p:style>
+          <a:lnRef idx="1">
+            <a:schemeClr val="accent1"/>
+          </a:lnRef>
+          <a:fillRef idx="0">
+            <a:schemeClr val="accent1"/>
+          </a:fillRef>
+          <a:effectRef idx="0">
+            <a:schemeClr val="accent1"/>
+          </a:effectRef>
+          <a:fontRef idx="minor">
+            <a:schemeClr val="tx1"/>
+          </a:fontRef>
+        </p:style>
+        <p:txBody>
+          <a:bodyPr rtlCol="0" anchor="ctr"/>
+          <a:lstStyle/>
+          <a:p>
+            <a:pPr algn="ctr"/>
+            <a:endParaRPr lang="zh-CN" altLang="en-US"/>
+          </a:p>
+        </p:txBody>
+      </p:sp>
+      <p:cxnSp>
+        <p:nvCxnSpPr>
+          <p:cNvPr id="32" name="直接连接符 31">
+            <a:extLst>
+              <a:ext uri="{FF2B5EF4-FFF2-40B4-BE49-F238E27FC236}">
+                <a16:creationId xmlns:a16="http://schemas.microsoft.com/office/drawing/2014/main" id="{855BB295-12A2-47EB-82B9-0F1B3358F939}"/>
+              </a:ext>
+            </a:extLst>
+          </p:cNvPr>
+          <p:cNvCxnSpPr/>
+          <p:nvPr/>
+        </p:nvCxnSpPr>
+        <p:spPr>
+          <a:xfrm>
+            <a:off x="2395087" y="1442454"/>
+            <a:ext cx="1491916" cy="0"/>
+          </a:xfrm>
+          <a:prstGeom prst="line">
+            <a:avLst/>
+          </a:prstGeom>
+          <a:ln w="31750">
+            <a:solidFill>
+              <a:srgbClr val="00B050"/>
+            </a:solidFill>
+          </a:ln>
+        </p:spPr>
+        <p:style>
+          <a:lnRef idx="1">
+            <a:schemeClr val="accent1"/>
+          </a:lnRef>
+          <a:fillRef idx="0">
+            <a:schemeClr val="accent1"/>
+          </a:fillRef>
+          <a:effectRef idx="0">
+            <a:schemeClr val="accent1"/>
+          </a:effectRef>
+          <a:fontRef idx="minor">
+            <a:schemeClr val="tx1"/>
+          </a:fontRef>
+        </p:style>
+      </p:cxnSp>
+      <p:cxnSp>
+        <p:nvCxnSpPr>
+          <p:cNvPr id="34" name="直接连接符 33">
+            <a:extLst>
+              <a:ext uri="{FF2B5EF4-FFF2-40B4-BE49-F238E27FC236}">
+                <a16:creationId xmlns:a16="http://schemas.microsoft.com/office/drawing/2014/main" id="{5E9E786D-575A-4AA1-BF94-D68FE4F90D1D}"/>
+              </a:ext>
+            </a:extLst>
+          </p:cNvPr>
+          <p:cNvCxnSpPr/>
+          <p:nvPr/>
+        </p:nvCxnSpPr>
+        <p:spPr>
+          <a:xfrm>
+            <a:off x="4142605" y="1442454"/>
+            <a:ext cx="1491916" cy="0"/>
+          </a:xfrm>
+          <a:prstGeom prst="line">
+            <a:avLst/>
+          </a:prstGeom>
+          <a:ln w="31750">
+            <a:solidFill>
+              <a:srgbClr val="00B050"/>
+            </a:solidFill>
+          </a:ln>
+        </p:spPr>
+        <p:style>
+          <a:lnRef idx="1">
+            <a:schemeClr val="accent1"/>
+          </a:lnRef>
+          <a:fillRef idx="0">
+            <a:schemeClr val="accent1"/>
+          </a:fillRef>
+          <a:effectRef idx="0">
+            <a:schemeClr val="accent1"/>
+          </a:effectRef>
+          <a:fontRef idx="minor">
+            <a:schemeClr val="tx1"/>
+          </a:fontRef>
+        </p:style>
+      </p:cxnSp>
+      <p:cxnSp>
+        <p:nvCxnSpPr>
+          <p:cNvPr id="36" name="直接连接符 35">
+            <a:extLst>
+              <a:ext uri="{FF2B5EF4-FFF2-40B4-BE49-F238E27FC236}">
+                <a16:creationId xmlns:a16="http://schemas.microsoft.com/office/drawing/2014/main" id="{DEFBDAD2-512F-42DB-B92F-7D4883B49B74}"/>
+              </a:ext>
+            </a:extLst>
+          </p:cNvPr>
+          <p:cNvCxnSpPr/>
+          <p:nvPr/>
+        </p:nvCxnSpPr>
+        <p:spPr>
+          <a:xfrm>
+            <a:off x="1254963" y="1326957"/>
+            <a:ext cx="1491916" cy="0"/>
+          </a:xfrm>
+          <a:prstGeom prst="line">
+            <a:avLst/>
+          </a:prstGeom>
+          <a:ln w="31750">
+            <a:solidFill>
+              <a:srgbClr val="00B050"/>
+            </a:solidFill>
+          </a:ln>
+        </p:spPr>
+        <p:style>
+          <a:lnRef idx="1">
+            <a:schemeClr val="accent1"/>
+          </a:lnRef>
+          <a:fillRef idx="0">
+            <a:schemeClr val="accent1"/>
+          </a:fillRef>
+          <a:effectRef idx="0">
+            <a:schemeClr val="accent1"/>
+          </a:effectRef>
+          <a:fontRef idx="minor">
+            <a:schemeClr val="tx1"/>
+          </a:fontRef>
+        </p:style>
+      </p:cxnSp>
+      <p:cxnSp>
+        <p:nvCxnSpPr>
+          <p:cNvPr id="37" name="直接连接符 36">
+            <a:extLst>
+              <a:ext uri="{FF2B5EF4-FFF2-40B4-BE49-F238E27FC236}">
+                <a16:creationId xmlns:a16="http://schemas.microsoft.com/office/drawing/2014/main" id="{C4C0B2E1-2BE0-4444-8A6A-8DDE88D0868D}"/>
+              </a:ext>
+            </a:extLst>
+          </p:cNvPr>
+          <p:cNvCxnSpPr/>
+          <p:nvPr/>
+        </p:nvCxnSpPr>
+        <p:spPr>
+          <a:xfrm>
+            <a:off x="7942979" y="1424812"/>
+            <a:ext cx="1491916" cy="0"/>
+          </a:xfrm>
+          <a:prstGeom prst="line">
+            <a:avLst/>
+          </a:prstGeom>
+          <a:ln w="31750">
+            <a:solidFill>
+              <a:srgbClr val="00B050"/>
+            </a:solidFill>
+          </a:ln>
+        </p:spPr>
+        <p:style>
+          <a:lnRef idx="1">
+            <a:schemeClr val="accent1"/>
+          </a:lnRef>
+          <a:fillRef idx="0">
+            <a:schemeClr val="accent1"/>
+          </a:fillRef>
+          <a:effectRef idx="0">
+            <a:schemeClr val="accent1"/>
+          </a:effectRef>
+          <a:fontRef idx="minor">
+            <a:schemeClr val="tx1"/>
+          </a:fontRef>
+        </p:style>
+      </p:cxnSp>
+      <p:cxnSp>
+        <p:nvCxnSpPr>
+          <p:cNvPr id="38" name="直接连接符 37">
+            <a:extLst>
+              <a:ext uri="{FF2B5EF4-FFF2-40B4-BE49-F238E27FC236}">
+                <a16:creationId xmlns:a16="http://schemas.microsoft.com/office/drawing/2014/main" id="{5A174702-940C-457C-81CC-3C184FB3A40D}"/>
+              </a:ext>
+            </a:extLst>
+          </p:cNvPr>
+          <p:cNvCxnSpPr/>
+          <p:nvPr/>
+        </p:nvCxnSpPr>
+        <p:spPr>
+          <a:xfrm>
+            <a:off x="8852567" y="1326957"/>
+            <a:ext cx="1491916" cy="0"/>
+          </a:xfrm>
+          <a:prstGeom prst="line">
+            <a:avLst/>
+          </a:prstGeom>
+          <a:ln w="31750">
+            <a:solidFill>
+              <a:srgbClr val="00B050"/>
+            </a:solidFill>
+          </a:ln>
+        </p:spPr>
+        <p:style>
+          <a:lnRef idx="1">
+            <a:schemeClr val="accent1"/>
+          </a:lnRef>
+          <a:fillRef idx="0">
+            <a:schemeClr val="accent1"/>
+          </a:fillRef>
+          <a:effectRef idx="0">
+            <a:schemeClr val="accent1"/>
+          </a:effectRef>
+          <a:fontRef idx="minor">
+            <a:schemeClr val="tx1"/>
+          </a:fontRef>
+        </p:style>
+      </p:cxnSp>
+      <p:cxnSp>
+        <p:nvCxnSpPr>
+          <p:cNvPr id="39" name="直接连接符 38">
+            <a:extLst>
+              <a:ext uri="{FF2B5EF4-FFF2-40B4-BE49-F238E27FC236}">
+                <a16:creationId xmlns:a16="http://schemas.microsoft.com/office/drawing/2014/main" id="{5EA938E6-54DA-49D1-8770-95E4071BFBE8}"/>
+              </a:ext>
+            </a:extLst>
+          </p:cNvPr>
+          <p:cNvCxnSpPr/>
+          <p:nvPr/>
+        </p:nvCxnSpPr>
+        <p:spPr>
+          <a:xfrm>
+            <a:off x="7068150" y="1326957"/>
+            <a:ext cx="1491916" cy="0"/>
+          </a:xfrm>
+          <a:prstGeom prst="line">
+            <a:avLst/>
+          </a:prstGeom>
+          <a:ln w="31750">
+            <a:solidFill>
+              <a:srgbClr val="00B050"/>
+            </a:solidFill>
+          </a:ln>
+        </p:spPr>
+        <p:style>
+          <a:lnRef idx="1">
+            <a:schemeClr val="accent1"/>
+          </a:lnRef>
+          <a:fillRef idx="0">
+            <a:schemeClr val="accent1"/>
+          </a:fillRef>
+          <a:effectRef idx="0">
+            <a:schemeClr val="accent1"/>
+          </a:effectRef>
+          <a:fontRef idx="minor">
+            <a:schemeClr val="tx1"/>
+          </a:fontRef>
+        </p:style>
+      </p:cxnSp>
+      <p:sp>
+        <p:nvSpPr>
+          <p:cNvPr id="43" name="文本框 42">
+            <a:extLst>
+              <a:ext uri="{FF2B5EF4-FFF2-40B4-BE49-F238E27FC236}">
+                <a16:creationId xmlns:a16="http://schemas.microsoft.com/office/drawing/2014/main" id="{9B356FE8-73E4-48FB-9CCA-CAA256D85D4D}"/>
+              </a:ext>
+            </a:extLst>
+          </p:cNvPr>
+          <p:cNvSpPr txBox="1"/>
+          <p:nvPr/>
+        </p:nvSpPr>
+        <p:spPr>
+          <a:xfrm>
+            <a:off x="2359853" y="2252509"/>
+            <a:ext cx="523391" cy="313932"/>
+          </a:xfrm>
+          <a:prstGeom prst="rect">
+            <a:avLst/>
+          </a:prstGeom>
+          <a:noFill/>
+        </p:spPr>
+        <p:txBody>
+          <a:bodyPr wrap="square" rtlCol="0">
+            <a:spAutoFit/>
+          </a:bodyPr>
+          <a:lstStyle/>
+          <a:p>
             <a:pPr lvl="0" algn="ctr" defTabSz="539998">
               <a:lnSpc>
                 <a:spcPct val="90000"/>
@@ -13275,14 +15146,200 @@
               <a:defRPr/>
             </a:pPr>
             <a:r>
-              <a:rPr lang="zh-CN" altLang="en-US" sz="1400">
-                <a:solidFill>
-                  <a:srgbClr val="000000"/>
-                </a:solidFill>
-                <a:latin typeface="Consolas" pitchFamily="49"/>
-                <a:ea typeface="微软雅黑" pitchFamily="34"/>
-              </a:rPr>
-              <a:t>这个输出是否可行，需要先判断好整合变异后的比对是否需要用到不是变异区域的碱基序列</a:t>
+              <a:rPr lang="en-US" altLang="zh-CN" sz="1600">
+                <a:solidFill>
+                  <a:srgbClr val="000000"/>
+                </a:solidFill>
+                <a:latin typeface="Consolas" pitchFamily="49"/>
+                <a:ea typeface="微软雅黑" pitchFamily="34"/>
+              </a:rPr>
+              <a:t>v1</a:t>
+            </a:r>
+          </a:p>
+        </p:txBody>
+      </p:sp>
+      <p:sp>
+        <p:nvSpPr>
+          <p:cNvPr id="44" name="文本框 43">
+            <a:extLst>
+              <a:ext uri="{FF2B5EF4-FFF2-40B4-BE49-F238E27FC236}">
+                <a16:creationId xmlns:a16="http://schemas.microsoft.com/office/drawing/2014/main" id="{BE4BF24D-C864-4B91-8A24-2240C17F15E4}"/>
+              </a:ext>
+            </a:extLst>
+          </p:cNvPr>
+          <p:cNvSpPr txBox="1"/>
+          <p:nvPr/>
+        </p:nvSpPr>
+        <p:spPr>
+          <a:xfrm>
+            <a:off x="7887542" y="2181550"/>
+            <a:ext cx="523391" cy="313932"/>
+          </a:xfrm>
+          <a:prstGeom prst="rect">
+            <a:avLst/>
+          </a:prstGeom>
+          <a:noFill/>
+        </p:spPr>
+        <p:txBody>
+          <a:bodyPr wrap="square" rtlCol="0">
+            <a:spAutoFit/>
+          </a:bodyPr>
+          <a:lstStyle/>
+          <a:p>
+            <a:pPr lvl="0" algn="ctr" defTabSz="539998">
+              <a:lnSpc>
+                <a:spcPct val="90000"/>
+              </a:lnSpc>
+              <a:spcBef>
+                <a:spcPts val="1000"/>
+              </a:spcBef>
+              <a:buClrTx/>
+              <a:buSzPct val="100000"/>
+              <a:defRPr/>
+            </a:pPr>
+            <a:r>
+              <a:rPr lang="en-US" altLang="zh-CN" sz="1600">
+                <a:solidFill>
+                  <a:srgbClr val="000000"/>
+                </a:solidFill>
+                <a:latin typeface="Consolas" pitchFamily="49"/>
+                <a:ea typeface="微软雅黑" pitchFamily="34"/>
+              </a:rPr>
+              <a:t>v2</a:t>
+            </a:r>
+          </a:p>
+        </p:txBody>
+      </p:sp>
+      <p:sp>
+        <p:nvSpPr>
+          <p:cNvPr id="45" name="文本框 44">
+            <a:extLst>
+              <a:ext uri="{FF2B5EF4-FFF2-40B4-BE49-F238E27FC236}">
+                <a16:creationId xmlns:a16="http://schemas.microsoft.com/office/drawing/2014/main" id="{F67BC076-3236-40C7-9BEB-9F21BF1FC072}"/>
+              </a:ext>
+            </a:extLst>
+          </p:cNvPr>
+          <p:cNvSpPr txBox="1"/>
+          <p:nvPr/>
+        </p:nvSpPr>
+        <p:spPr>
+          <a:xfrm>
+            <a:off x="8968629" y="2181550"/>
+            <a:ext cx="523391" cy="313932"/>
+          </a:xfrm>
+          <a:prstGeom prst="rect">
+            <a:avLst/>
+          </a:prstGeom>
+          <a:noFill/>
+        </p:spPr>
+        <p:txBody>
+          <a:bodyPr wrap="square" rtlCol="0">
+            <a:spAutoFit/>
+          </a:bodyPr>
+          <a:lstStyle/>
+          <a:p>
+            <a:pPr lvl="0" algn="ctr" defTabSz="539998">
+              <a:lnSpc>
+                <a:spcPct val="90000"/>
+              </a:lnSpc>
+              <a:spcBef>
+                <a:spcPts val="1000"/>
+              </a:spcBef>
+              <a:buClrTx/>
+              <a:buSzPct val="100000"/>
+              <a:defRPr/>
+            </a:pPr>
+            <a:r>
+              <a:rPr lang="en-US" altLang="zh-CN" sz="1600">
+                <a:solidFill>
+                  <a:srgbClr val="000000"/>
+                </a:solidFill>
+                <a:latin typeface="Consolas" pitchFamily="49"/>
+                <a:ea typeface="微软雅黑" pitchFamily="34"/>
+              </a:rPr>
+              <a:t>v3</a:t>
+            </a:r>
+          </a:p>
+        </p:txBody>
+      </p:sp>
+      <p:sp>
+        <p:nvSpPr>
+          <p:cNvPr id="26" name="文本框 25">
+            <a:extLst>
+              <a:ext uri="{FF2B5EF4-FFF2-40B4-BE49-F238E27FC236}">
+                <a16:creationId xmlns:a16="http://schemas.microsoft.com/office/drawing/2014/main" id="{1935BB12-8809-47FB-AEC8-9BFCE31FD5DD}"/>
+              </a:ext>
+            </a:extLst>
+          </p:cNvPr>
+          <p:cNvSpPr txBox="1"/>
+          <p:nvPr/>
+        </p:nvSpPr>
+        <p:spPr>
+          <a:xfrm>
+            <a:off x="0" y="2948869"/>
+            <a:ext cx="12192000" cy="2672526"/>
+          </a:xfrm>
+          <a:prstGeom prst="rect">
+            <a:avLst/>
+          </a:prstGeom>
+          <a:noFill/>
+        </p:spPr>
+        <p:txBody>
+          <a:bodyPr wrap="square" rtlCol="0">
+            <a:spAutoFit/>
+          </a:bodyPr>
+          <a:lstStyle/>
+          <a:p>
+            <a:pPr lvl="0" defTabSz="539998">
+              <a:lnSpc>
+                <a:spcPct val="90000"/>
+              </a:lnSpc>
+              <a:spcBef>
+                <a:spcPts val="1000"/>
+              </a:spcBef>
+              <a:buClrTx/>
+              <a:buSzPct val="100000"/>
+              <a:defRPr/>
+            </a:pPr>
+            <a:r>
+              <a:rPr lang="en-US" altLang="zh-CN" sz="1400">
+                <a:solidFill>
+                  <a:srgbClr val="000000"/>
+                </a:solidFill>
+                <a:latin typeface="Consolas" pitchFamily="49"/>
+                <a:ea typeface="微软雅黑" pitchFamily="34"/>
+              </a:rPr>
+              <a:t>2. </a:t>
+            </a:r>
+            <a:r>
+              <a:rPr lang="zh-CN" altLang="en-US" sz="1400">
+                <a:solidFill>
+                  <a:srgbClr val="000000"/>
+                </a:solidFill>
+                <a:latin typeface="Consolas" pitchFamily="49"/>
+                <a:ea typeface="微软雅黑" pitchFamily="34"/>
+              </a:rPr>
+              <a:t>考虑</a:t>
+            </a:r>
+            <a:r>
+              <a:rPr lang="en-US" altLang="zh-CN" sz="1400">
+                <a:solidFill>
+                  <a:srgbClr val="000000"/>
+                </a:solidFill>
+                <a:latin typeface="Consolas" pitchFamily="49"/>
+                <a:ea typeface="微软雅黑" pitchFamily="34"/>
+              </a:rPr>
+              <a:t>r</a:t>
+            </a:r>
+            <a:r>
+              <a:rPr lang="zh-CN" altLang="en-US" sz="1400">
+                <a:solidFill>
+                  <a:srgbClr val="000000"/>
+                </a:solidFill>
+                <a:latin typeface="Consolas" pitchFamily="49"/>
+                <a:ea typeface="微软雅黑" pitchFamily="34"/>
+              </a:rPr>
+              <a:t>是原来就有比对结果的测序序列</a:t>
             </a:r>
             <a:endParaRPr lang="en-US" altLang="zh-CN" sz="1400">
               <a:solidFill>
@@ -13292,12 +15349,312 @@
               <a:ea typeface="微软雅黑" pitchFamily="34"/>
             </a:endParaRPr>
           </a:p>
+          <a:p>
+            <a:pPr lvl="0" defTabSz="539998">
+              <a:lnSpc>
+                <a:spcPct val="90000"/>
+              </a:lnSpc>
+              <a:spcBef>
+                <a:spcPts val="1000"/>
+              </a:spcBef>
+              <a:buClrTx/>
+              <a:buSzPct val="100000"/>
+              <a:defRPr/>
+            </a:pPr>
+            <a:r>
+              <a:rPr lang="en-US" altLang="zh-CN" sz="1400">
+                <a:solidFill>
+                  <a:srgbClr val="000000"/>
+                </a:solidFill>
+                <a:latin typeface="Consolas" pitchFamily="49"/>
+                <a:ea typeface="微软雅黑" pitchFamily="34"/>
+              </a:rPr>
+              <a:t>2.1.1 </a:t>
+            </a:r>
+            <a:r>
+              <a:rPr lang="zh-CN" altLang="en-US" sz="1400">
+                <a:solidFill>
+                  <a:srgbClr val="000000"/>
+                </a:solidFill>
+                <a:latin typeface="Consolas" pitchFamily="49"/>
+                <a:ea typeface="微软雅黑" pitchFamily="34"/>
+              </a:rPr>
+              <a:t>如果</a:t>
+            </a:r>
+            <a:r>
+              <a:rPr lang="en-US" altLang="zh-CN" sz="1400">
+                <a:solidFill>
+                  <a:srgbClr val="000000"/>
+                </a:solidFill>
+                <a:latin typeface="Consolas" pitchFamily="49"/>
+                <a:ea typeface="微软雅黑" pitchFamily="34"/>
+              </a:rPr>
+              <a:t>r</a:t>
+            </a:r>
+            <a:r>
+              <a:rPr lang="zh-CN" altLang="en-US" sz="1400">
+                <a:solidFill>
+                  <a:srgbClr val="000000"/>
+                </a:solidFill>
+                <a:latin typeface="Consolas" pitchFamily="49"/>
+                <a:ea typeface="微软雅黑" pitchFamily="34"/>
+              </a:rPr>
+              <a:t>原来比对到的区域没有被重构</a:t>
+            </a:r>
+            <a:endParaRPr lang="en-US" altLang="zh-CN" sz="1400">
+              <a:solidFill>
+                <a:srgbClr val="000000"/>
+              </a:solidFill>
+              <a:latin typeface="Consolas" pitchFamily="49"/>
+              <a:ea typeface="微软雅黑" pitchFamily="34"/>
+            </a:endParaRPr>
+          </a:p>
+          <a:p>
+            <a:pPr lvl="0" defTabSz="539998">
+              <a:lnSpc>
+                <a:spcPct val="90000"/>
+              </a:lnSpc>
+              <a:spcBef>
+                <a:spcPts val="1000"/>
+              </a:spcBef>
+              <a:buClrTx/>
+              <a:buSzPct val="100000"/>
+              <a:defRPr/>
+            </a:pPr>
+            <a:r>
+              <a:rPr lang="en-US" altLang="zh-CN" sz="1400">
+                <a:solidFill>
+                  <a:srgbClr val="000000"/>
+                </a:solidFill>
+                <a:latin typeface="Consolas" pitchFamily="49"/>
+                <a:ea typeface="微软雅黑" pitchFamily="34"/>
+              </a:rPr>
+              <a:t>	</a:t>
+            </a:r>
+            <a:r>
+              <a:rPr lang="zh-CN" altLang="en-US" sz="1400">
+                <a:solidFill>
+                  <a:srgbClr val="000000"/>
+                </a:solidFill>
+                <a:latin typeface="Consolas" pitchFamily="49"/>
+                <a:ea typeface="微软雅黑" pitchFamily="34"/>
+              </a:rPr>
+              <a:t>重构后的区域有可能是新的</a:t>
+            </a:r>
+            <a:r>
+              <a:rPr lang="en-US" altLang="zh-CN" sz="1400">
+                <a:solidFill>
+                  <a:srgbClr val="000000"/>
+                </a:solidFill>
+                <a:latin typeface="Consolas" pitchFamily="49"/>
+                <a:ea typeface="微软雅黑" pitchFamily="34"/>
+              </a:rPr>
+              <a:t>r</a:t>
+            </a:r>
+            <a:r>
+              <a:rPr lang="zh-CN" altLang="en-US" sz="1400">
+                <a:solidFill>
+                  <a:srgbClr val="000000"/>
+                </a:solidFill>
+                <a:latin typeface="Consolas" pitchFamily="49"/>
+                <a:ea typeface="微软雅黑" pitchFamily="34"/>
+              </a:rPr>
+              <a:t>的比对区域，但是也可能重比对时</a:t>
+            </a:r>
+            <a:r>
+              <a:rPr lang="en-US" altLang="zh-CN" sz="1400">
+                <a:solidFill>
+                  <a:srgbClr val="000000"/>
+                </a:solidFill>
+                <a:latin typeface="Consolas" pitchFamily="49"/>
+                <a:ea typeface="微软雅黑" pitchFamily="34"/>
+              </a:rPr>
+              <a:t>r</a:t>
+            </a:r>
+            <a:r>
+              <a:rPr lang="zh-CN" altLang="en-US" sz="1400">
+                <a:solidFill>
+                  <a:srgbClr val="000000"/>
+                </a:solidFill>
+                <a:latin typeface="Consolas" pitchFamily="49"/>
+                <a:ea typeface="微软雅黑" pitchFamily="34"/>
+              </a:rPr>
+              <a:t>的比对区域仍然是原来的区域。所以第一考虑是这种情况两个部分的碱基序列都要输出。但是，如果只输出被重构的区域，重比对时有可能</a:t>
+            </a:r>
+            <a:r>
+              <a:rPr lang="en-US" altLang="zh-CN" sz="1400">
+                <a:solidFill>
+                  <a:srgbClr val="000000"/>
+                </a:solidFill>
+                <a:latin typeface="Consolas" pitchFamily="49"/>
+                <a:ea typeface="微软雅黑" pitchFamily="34"/>
+              </a:rPr>
+              <a:t>r</a:t>
+            </a:r>
+            <a:r>
+              <a:rPr lang="zh-CN" altLang="en-US" sz="1400">
+                <a:solidFill>
+                  <a:srgbClr val="000000"/>
+                </a:solidFill>
+                <a:latin typeface="Consolas" pitchFamily="49"/>
+                <a:ea typeface="微软雅黑" pitchFamily="34"/>
+              </a:rPr>
+              <a:t>没有比对结果，也有可能被比对到这部分重构的区域，而且比对质量相对原来的碱基序列是有提升的，不过虽然提升了，却不一定比原来的比对结果好，这可以通过和原来的比对结果对比判断。不过，这些序列片段一般原来的比对结果也是比较差的，所以实际上可能只输出被重构的区域就足够。实在不放心，保险起见，可以在所有任务完成后再结合原来的比对结果判断。</a:t>
+            </a:r>
+            <a:endParaRPr lang="en-US" altLang="zh-CN" sz="1400">
+              <a:solidFill>
+                <a:srgbClr val="000000"/>
+              </a:solidFill>
+              <a:latin typeface="Consolas" pitchFamily="49"/>
+              <a:ea typeface="微软雅黑" pitchFamily="34"/>
+            </a:endParaRPr>
+          </a:p>
+          <a:p>
+            <a:pPr lvl="0" defTabSz="539998">
+              <a:lnSpc>
+                <a:spcPct val="90000"/>
+              </a:lnSpc>
+              <a:spcBef>
+                <a:spcPts val="1000"/>
+              </a:spcBef>
+              <a:buClrTx/>
+              <a:buSzPct val="100000"/>
+              <a:defRPr/>
+            </a:pPr>
+            <a:r>
+              <a:rPr lang="en-US" altLang="zh-CN" sz="1400">
+                <a:solidFill>
+                  <a:srgbClr val="000000"/>
+                </a:solidFill>
+                <a:latin typeface="Consolas" pitchFamily="49"/>
+                <a:ea typeface="微软雅黑" pitchFamily="34"/>
+              </a:rPr>
+              <a:t>	</a:t>
+            </a:r>
+            <a:r>
+              <a:rPr lang="zh-CN" altLang="en-US" sz="1400">
+                <a:solidFill>
+                  <a:srgbClr val="000000"/>
+                </a:solidFill>
+                <a:latin typeface="Consolas" pitchFamily="49"/>
+                <a:ea typeface="微软雅黑" pitchFamily="34"/>
+              </a:rPr>
+              <a:t>总之，虽然说不严格，但是也可以只输出被重构的区域。</a:t>
+            </a:r>
+            <a:endParaRPr lang="en-US" altLang="zh-CN" sz="1400">
+              <a:solidFill>
+                <a:srgbClr val="000000"/>
+              </a:solidFill>
+              <a:latin typeface="Consolas" pitchFamily="49"/>
+              <a:ea typeface="微软雅黑" pitchFamily="34"/>
+            </a:endParaRPr>
+          </a:p>
+          <a:p>
+            <a:pPr lvl="0" defTabSz="539998">
+              <a:lnSpc>
+                <a:spcPct val="90000"/>
+              </a:lnSpc>
+              <a:spcBef>
+                <a:spcPts val="1000"/>
+              </a:spcBef>
+              <a:buClrTx/>
+              <a:buSzPct val="100000"/>
+              <a:defRPr/>
+            </a:pPr>
+            <a:r>
+              <a:rPr lang="en-US" altLang="zh-CN" sz="1400">
+                <a:solidFill>
+                  <a:srgbClr val="000000"/>
+                </a:solidFill>
+                <a:latin typeface="Consolas" pitchFamily="49"/>
+                <a:ea typeface="微软雅黑" pitchFamily="34"/>
+              </a:rPr>
+              <a:t>2.1.2 </a:t>
+            </a:r>
+            <a:r>
+              <a:rPr lang="zh-CN" altLang="en-US" sz="1400">
+                <a:solidFill>
+                  <a:srgbClr val="000000"/>
+                </a:solidFill>
+                <a:latin typeface="Consolas" pitchFamily="49"/>
+                <a:ea typeface="微软雅黑" pitchFamily="34"/>
+              </a:rPr>
+              <a:t>如果</a:t>
+            </a:r>
+            <a:r>
+              <a:rPr lang="en-US" altLang="zh-CN" sz="1400">
+                <a:solidFill>
+                  <a:srgbClr val="000000"/>
+                </a:solidFill>
+                <a:latin typeface="Consolas" pitchFamily="49"/>
+                <a:ea typeface="微软雅黑" pitchFamily="34"/>
+              </a:rPr>
+              <a:t>r</a:t>
+            </a:r>
+            <a:r>
+              <a:rPr lang="zh-CN" altLang="en-US" sz="1400">
+                <a:solidFill>
+                  <a:srgbClr val="000000"/>
+                </a:solidFill>
+                <a:latin typeface="Consolas" pitchFamily="49"/>
+                <a:ea typeface="微软雅黑" pitchFamily="34"/>
+              </a:rPr>
+              <a:t>原来比对到的区域被重构</a:t>
+            </a:r>
+            <a:endParaRPr lang="en-US" altLang="zh-CN" sz="1400">
+              <a:solidFill>
+                <a:srgbClr val="000000"/>
+              </a:solidFill>
+              <a:latin typeface="Consolas" pitchFamily="49"/>
+              <a:ea typeface="微软雅黑" pitchFamily="34"/>
+            </a:endParaRPr>
+          </a:p>
+          <a:p>
+            <a:pPr lvl="0" defTabSz="539998">
+              <a:lnSpc>
+                <a:spcPct val="90000"/>
+              </a:lnSpc>
+              <a:spcBef>
+                <a:spcPts val="1000"/>
+              </a:spcBef>
+              <a:buClrTx/>
+              <a:buSzPct val="100000"/>
+              <a:defRPr/>
+            </a:pPr>
+            <a:r>
+              <a:rPr lang="en-US" altLang="zh-CN" sz="1400">
+                <a:solidFill>
+                  <a:srgbClr val="000000"/>
+                </a:solidFill>
+                <a:latin typeface="Consolas" pitchFamily="49"/>
+                <a:ea typeface="微软雅黑" pitchFamily="34"/>
+              </a:rPr>
+              <a:t>	</a:t>
+            </a:r>
+            <a:r>
+              <a:rPr lang="zh-CN" altLang="en-US" sz="1400">
+                <a:solidFill>
+                  <a:srgbClr val="000000"/>
+                </a:solidFill>
+                <a:latin typeface="Consolas" pitchFamily="49"/>
+                <a:ea typeface="微软雅黑" pitchFamily="34"/>
+              </a:rPr>
+              <a:t>重构后该区域比对质量可能提高，也可能下降。如果下降，那么这个被整合的变异就肯定不是特异变异位点，但其它未重构过的区域也肯定不会有比原来比对结果还要好的；如果上升，那么这个变异有可能是特异变异位点。所以这种情况只需要输出被重构的区域。</a:t>
+            </a:r>
+            <a:endParaRPr lang="en-US" altLang="zh-CN" sz="1400">
+              <a:solidFill>
+                <a:srgbClr val="000000"/>
+              </a:solidFill>
+              <a:latin typeface="Consolas" pitchFamily="49"/>
+              <a:ea typeface="微软雅黑" pitchFamily="34"/>
+            </a:endParaRPr>
+          </a:p>
         </p:txBody>
       </p:sp>
     </p:spTree>
     <p:extLst>
       <p:ext uri="{BB962C8B-B14F-4D97-AF65-F5344CB8AC3E}">
-        <p14:creationId xmlns:p14="http://schemas.microsoft.com/office/powerpoint/2010/main" val="2753645753"/>
+        <p14:creationId xmlns:p14="http://schemas.microsoft.com/office/powerpoint/2010/main" val="2418982932"/>
       </p:ext>
     </p:extLst>
   </p:cSld>
